--- a/images/design.pptx
+++ b/images/design.pptx
@@ -5,7 +5,7 @@
     <p:sldMasterId id="2147483648" r:id="rId1"/>
   </p:sldMasterIdLst>
   <p:notesMasterIdLst>
-    <p:notesMasterId r:id="rId9"/>
+    <p:notesMasterId r:id="rId10"/>
   </p:notesMasterIdLst>
   <p:sldIdLst>
     <p:sldId id="256" r:id="rId2"/>
@@ -15,6 +15,7 @@
     <p:sldId id="260" r:id="rId6"/>
     <p:sldId id="261" r:id="rId7"/>
     <p:sldId id="262" r:id="rId8"/>
+    <p:sldId id="263" r:id="rId9"/>
   </p:sldIdLst>
   <p:sldSz cx="12192000" cy="6858000"/>
   <p:notesSz cx="6858000" cy="9144000"/>
@@ -203,7 +204,7 @@
           <a:p>
             <a:fld id="{4C20BAA2-BD9B-485A-B03A-9B705EBC1C18}" type="datetimeFigureOut">
               <a:rPr lang="ko-KR" altLang="en-US" smtClean="0"/>
-              <a:t>2021-11-15</a:t>
+              <a:t>2021-11-18</a:t>
             </a:fld>
             <a:endParaRPr lang="ko-KR" altLang="en-US"/>
           </a:p>
@@ -701,7 +702,7 @@
           <a:p>
             <a:fld id="{C9C1371F-EFFD-428B-A2B4-E353846D2DA0}" type="datetimeFigureOut">
               <a:rPr lang="ko-KR" altLang="en-US" smtClean="0"/>
-              <a:t>2021-11-15</a:t>
+              <a:t>2021-11-18</a:t>
             </a:fld>
             <a:endParaRPr lang="ko-KR" altLang="en-US"/>
           </a:p>
@@ -899,7 +900,7 @@
           <a:p>
             <a:fld id="{C9C1371F-EFFD-428B-A2B4-E353846D2DA0}" type="datetimeFigureOut">
               <a:rPr lang="ko-KR" altLang="en-US" smtClean="0"/>
-              <a:t>2021-11-15</a:t>
+              <a:t>2021-11-18</a:t>
             </a:fld>
             <a:endParaRPr lang="ko-KR" altLang="en-US"/>
           </a:p>
@@ -1107,7 +1108,7 @@
           <a:p>
             <a:fld id="{C9C1371F-EFFD-428B-A2B4-E353846D2DA0}" type="datetimeFigureOut">
               <a:rPr lang="ko-KR" altLang="en-US" smtClean="0"/>
-              <a:t>2021-11-15</a:t>
+              <a:t>2021-11-18</a:t>
             </a:fld>
             <a:endParaRPr lang="ko-KR" altLang="en-US"/>
           </a:p>
@@ -1305,7 +1306,7 @@
           <a:p>
             <a:fld id="{C9C1371F-EFFD-428B-A2B4-E353846D2DA0}" type="datetimeFigureOut">
               <a:rPr lang="ko-KR" altLang="en-US" smtClean="0"/>
-              <a:t>2021-11-15</a:t>
+              <a:t>2021-11-18</a:t>
             </a:fld>
             <a:endParaRPr lang="ko-KR" altLang="en-US"/>
           </a:p>
@@ -1580,7 +1581,7 @@
           <a:p>
             <a:fld id="{C9C1371F-EFFD-428B-A2B4-E353846D2DA0}" type="datetimeFigureOut">
               <a:rPr lang="ko-KR" altLang="en-US" smtClean="0"/>
-              <a:t>2021-11-15</a:t>
+              <a:t>2021-11-18</a:t>
             </a:fld>
             <a:endParaRPr lang="ko-KR" altLang="en-US"/>
           </a:p>
@@ -1845,7 +1846,7 @@
           <a:p>
             <a:fld id="{C9C1371F-EFFD-428B-A2B4-E353846D2DA0}" type="datetimeFigureOut">
               <a:rPr lang="ko-KR" altLang="en-US" smtClean="0"/>
-              <a:t>2021-11-15</a:t>
+              <a:t>2021-11-18</a:t>
             </a:fld>
             <a:endParaRPr lang="ko-KR" altLang="en-US"/>
           </a:p>
@@ -2257,7 +2258,7 @@
           <a:p>
             <a:fld id="{C9C1371F-EFFD-428B-A2B4-E353846D2DA0}" type="datetimeFigureOut">
               <a:rPr lang="ko-KR" altLang="en-US" smtClean="0"/>
-              <a:t>2021-11-15</a:t>
+              <a:t>2021-11-18</a:t>
             </a:fld>
             <a:endParaRPr lang="ko-KR" altLang="en-US"/>
           </a:p>
@@ -2398,7 +2399,7 @@
           <a:p>
             <a:fld id="{C9C1371F-EFFD-428B-A2B4-E353846D2DA0}" type="datetimeFigureOut">
               <a:rPr lang="ko-KR" altLang="en-US" smtClean="0"/>
-              <a:t>2021-11-15</a:t>
+              <a:t>2021-11-18</a:t>
             </a:fld>
             <a:endParaRPr lang="ko-KR" altLang="en-US"/>
           </a:p>
@@ -2511,7 +2512,7 @@
           <a:p>
             <a:fld id="{C9C1371F-EFFD-428B-A2B4-E353846D2DA0}" type="datetimeFigureOut">
               <a:rPr lang="ko-KR" altLang="en-US" smtClean="0"/>
-              <a:t>2021-11-15</a:t>
+              <a:t>2021-11-18</a:t>
             </a:fld>
             <a:endParaRPr lang="ko-KR" altLang="en-US"/>
           </a:p>
@@ -2822,7 +2823,7 @@
           <a:p>
             <a:fld id="{C9C1371F-EFFD-428B-A2B4-E353846D2DA0}" type="datetimeFigureOut">
               <a:rPr lang="ko-KR" altLang="en-US" smtClean="0"/>
-              <a:t>2021-11-15</a:t>
+              <a:t>2021-11-18</a:t>
             </a:fld>
             <a:endParaRPr lang="ko-KR" altLang="en-US"/>
           </a:p>
@@ -3110,7 +3111,7 @@
           <a:p>
             <a:fld id="{C9C1371F-EFFD-428B-A2B4-E353846D2DA0}" type="datetimeFigureOut">
               <a:rPr lang="ko-KR" altLang="en-US" smtClean="0"/>
-              <a:t>2021-11-15</a:t>
+              <a:t>2021-11-18</a:t>
             </a:fld>
             <a:endParaRPr lang="ko-KR" altLang="en-US"/>
           </a:p>
@@ -3351,7 +3352,7 @@
           <a:p>
             <a:fld id="{C9C1371F-EFFD-428B-A2B4-E353846D2DA0}" type="datetimeFigureOut">
               <a:rPr lang="ko-KR" altLang="en-US" smtClean="0"/>
-              <a:t>2021-11-15</a:t>
+              <a:t>2021-11-18</a:t>
             </a:fld>
             <a:endParaRPr lang="ko-KR" altLang="en-US"/>
           </a:p>
@@ -13372,6 +13373,221 @@
 </p:sld>
 </file>
 
+<file path=ppt/slides/slide8.xml><?xml version="1.0" encoding="utf-8"?>
+<p:sld xmlns:a="http://schemas.openxmlformats.org/drawingml/2006/main" xmlns:r="http://schemas.openxmlformats.org/officeDocument/2006/relationships" xmlns:p="http://schemas.openxmlformats.org/presentationml/2006/main">
+  <p:cSld>
+    <p:spTree>
+      <p:nvGrpSpPr>
+        <p:cNvPr id="1" name=""/>
+        <p:cNvGrpSpPr/>
+        <p:nvPr/>
+      </p:nvGrpSpPr>
+      <p:grpSpPr>
+        <a:xfrm>
+          <a:off x="0" y="0"/>
+          <a:ext cx="0" cy="0"/>
+          <a:chOff x="0" y="0"/>
+          <a:chExt cx="0" cy="0"/>
+        </a:xfrm>
+      </p:grpSpPr>
+      <p:grpSp>
+        <p:nvGrpSpPr>
+          <p:cNvPr id="14" name="그룹 13">
+            <a:extLst>
+              <a:ext uri="{FF2B5EF4-FFF2-40B4-BE49-F238E27FC236}">
+                <a16:creationId xmlns:a16="http://schemas.microsoft.com/office/drawing/2014/main" id="{CFAB01E8-C07A-44AE-8844-5BB3A11D4899}"/>
+              </a:ext>
+            </a:extLst>
+          </p:cNvPr>
+          <p:cNvGrpSpPr/>
+          <p:nvPr/>
+        </p:nvGrpSpPr>
+        <p:grpSpPr>
+          <a:xfrm>
+            <a:off x="5016000" y="2349000"/>
+            <a:ext cx="2160000" cy="2160000"/>
+            <a:chOff x="8380429" y="1509075"/>
+            <a:chExt cx="2160000" cy="2160000"/>
+          </a:xfrm>
+        </p:grpSpPr>
+        <p:pic>
+          <p:nvPicPr>
+            <p:cNvPr id="7" name="그림 6">
+              <a:extLst>
+                <a:ext uri="{FF2B5EF4-FFF2-40B4-BE49-F238E27FC236}">
+                  <a16:creationId xmlns:a16="http://schemas.microsoft.com/office/drawing/2014/main" id="{D461D46C-D74D-4530-91E5-6EF36A0246CE}"/>
+                </a:ext>
+              </a:extLst>
+            </p:cNvPr>
+            <p:cNvPicPr>
+              <a:picLocks noChangeAspect="1"/>
+            </p:cNvPicPr>
+            <p:nvPr/>
+          </p:nvPicPr>
+          <p:blipFill>
+            <a:blip r:embed="rId2">
+              <a:extLst>
+                <a:ext uri="{28A0092B-C50C-407E-A947-70E740481C1C}">
+                  <a14:useLocalDpi xmlns:a14="http://schemas.microsoft.com/office/drawing/2010/main" val="0"/>
+                </a:ext>
+              </a:extLst>
+            </a:blip>
+            <a:stretch>
+              <a:fillRect/>
+            </a:stretch>
+          </p:blipFill>
+          <p:spPr>
+            <a:xfrm>
+              <a:off x="8380429" y="1509075"/>
+              <a:ext cx="1080000" cy="1080000"/>
+            </a:xfrm>
+            <a:prstGeom prst="rect">
+              <a:avLst/>
+            </a:prstGeom>
+            <a:ln w="38100">
+              <a:solidFill>
+                <a:schemeClr val="tx1"/>
+              </a:solidFill>
+            </a:ln>
+          </p:spPr>
+        </p:pic>
+        <p:pic>
+          <p:nvPicPr>
+            <p:cNvPr id="9" name="그림 8">
+              <a:extLst>
+                <a:ext uri="{FF2B5EF4-FFF2-40B4-BE49-F238E27FC236}">
+                  <a16:creationId xmlns:a16="http://schemas.microsoft.com/office/drawing/2014/main" id="{714B5867-4CFE-4E14-8BC6-30C1DFC2FC1F}"/>
+                </a:ext>
+              </a:extLst>
+            </p:cNvPr>
+            <p:cNvPicPr>
+              <a:picLocks noChangeAspect="1"/>
+            </p:cNvPicPr>
+            <p:nvPr/>
+          </p:nvPicPr>
+          <p:blipFill>
+            <a:blip r:embed="rId3">
+              <a:extLst>
+                <a:ext uri="{28A0092B-C50C-407E-A947-70E740481C1C}">
+                  <a14:useLocalDpi xmlns:a14="http://schemas.microsoft.com/office/drawing/2010/main" val="0"/>
+                </a:ext>
+              </a:extLst>
+            </a:blip>
+            <a:stretch>
+              <a:fillRect/>
+            </a:stretch>
+          </p:blipFill>
+          <p:spPr>
+            <a:xfrm>
+              <a:off x="9460429" y="1509075"/>
+              <a:ext cx="1080000" cy="1080000"/>
+            </a:xfrm>
+            <a:prstGeom prst="rect">
+              <a:avLst/>
+            </a:prstGeom>
+            <a:ln w="38100">
+              <a:solidFill>
+                <a:schemeClr val="tx1"/>
+              </a:solidFill>
+            </a:ln>
+          </p:spPr>
+        </p:pic>
+        <p:pic>
+          <p:nvPicPr>
+            <p:cNvPr id="11" name="그림 10">
+              <a:extLst>
+                <a:ext uri="{FF2B5EF4-FFF2-40B4-BE49-F238E27FC236}">
+                  <a16:creationId xmlns:a16="http://schemas.microsoft.com/office/drawing/2014/main" id="{0DB8B347-756C-41D4-84F2-771063499AC4}"/>
+                </a:ext>
+              </a:extLst>
+            </p:cNvPr>
+            <p:cNvPicPr>
+              <a:picLocks noChangeAspect="1"/>
+            </p:cNvPicPr>
+            <p:nvPr/>
+          </p:nvPicPr>
+          <p:blipFill>
+            <a:blip r:embed="rId4">
+              <a:extLst>
+                <a:ext uri="{28A0092B-C50C-407E-A947-70E740481C1C}">
+                  <a14:useLocalDpi xmlns:a14="http://schemas.microsoft.com/office/drawing/2010/main" val="0"/>
+                </a:ext>
+              </a:extLst>
+            </a:blip>
+            <a:stretch>
+              <a:fillRect/>
+            </a:stretch>
+          </p:blipFill>
+          <p:spPr>
+            <a:xfrm>
+              <a:off x="8380429" y="2589075"/>
+              <a:ext cx="1080000" cy="1080000"/>
+            </a:xfrm>
+            <a:prstGeom prst="rect">
+              <a:avLst/>
+            </a:prstGeom>
+            <a:ln w="38100">
+              <a:solidFill>
+                <a:schemeClr val="tx1"/>
+              </a:solidFill>
+            </a:ln>
+          </p:spPr>
+        </p:pic>
+        <p:pic>
+          <p:nvPicPr>
+            <p:cNvPr id="13" name="그림 12">
+              <a:extLst>
+                <a:ext uri="{FF2B5EF4-FFF2-40B4-BE49-F238E27FC236}">
+                  <a16:creationId xmlns:a16="http://schemas.microsoft.com/office/drawing/2014/main" id="{1EDA9450-B8DD-454C-86A4-BD1B76BC5BEC}"/>
+                </a:ext>
+              </a:extLst>
+            </p:cNvPr>
+            <p:cNvPicPr>
+              <a:picLocks noChangeAspect="1"/>
+            </p:cNvPicPr>
+            <p:nvPr/>
+          </p:nvPicPr>
+          <p:blipFill>
+            <a:blip r:embed="rId5">
+              <a:extLst>
+                <a:ext uri="{28A0092B-C50C-407E-A947-70E740481C1C}">
+                  <a14:useLocalDpi xmlns:a14="http://schemas.microsoft.com/office/drawing/2010/main" val="0"/>
+                </a:ext>
+              </a:extLst>
+            </a:blip>
+            <a:stretch>
+              <a:fillRect/>
+            </a:stretch>
+          </p:blipFill>
+          <p:spPr>
+            <a:xfrm>
+              <a:off x="9460429" y="2589075"/>
+              <a:ext cx="1080000" cy="1080000"/>
+            </a:xfrm>
+            <a:prstGeom prst="rect">
+              <a:avLst/>
+            </a:prstGeom>
+            <a:ln w="38100">
+              <a:solidFill>
+                <a:schemeClr val="tx1"/>
+              </a:solidFill>
+            </a:ln>
+          </p:spPr>
+        </p:pic>
+      </p:grpSp>
+    </p:spTree>
+    <p:extLst>
+      <p:ext uri="{BB962C8B-B14F-4D97-AF65-F5344CB8AC3E}">
+        <p14:creationId xmlns:p14="http://schemas.microsoft.com/office/powerpoint/2010/main" val="3028701711"/>
+      </p:ext>
+    </p:extLst>
+  </p:cSld>
+  <p:clrMapOvr>
+    <a:masterClrMapping/>
+  </p:clrMapOvr>
+</p:sld>
+</file>
+
 <file path=ppt/theme/theme1.xml><?xml version="1.0" encoding="utf-8"?>
 <a:theme xmlns:a="http://schemas.openxmlformats.org/drawingml/2006/main" name="Office 테마">
   <a:themeElements>

--- a/images/design.pptx
+++ b/images/design.pptx
@@ -5,7 +5,7 @@
     <p:sldMasterId id="2147483648" r:id="rId1"/>
   </p:sldMasterIdLst>
   <p:notesMasterIdLst>
-    <p:notesMasterId r:id="rId10"/>
+    <p:notesMasterId r:id="rId11"/>
   </p:notesMasterIdLst>
   <p:sldIdLst>
     <p:sldId id="256" r:id="rId2"/>
@@ -16,6 +16,7 @@
     <p:sldId id="261" r:id="rId7"/>
     <p:sldId id="262" r:id="rId8"/>
     <p:sldId id="263" r:id="rId9"/>
+    <p:sldId id="264" r:id="rId10"/>
   </p:sldIdLst>
   <p:sldSz cx="12192000" cy="6858000"/>
   <p:notesSz cx="6858000" cy="9144000"/>
@@ -204,7 +205,7 @@
           <a:p>
             <a:fld id="{4C20BAA2-BD9B-485A-B03A-9B705EBC1C18}" type="datetimeFigureOut">
               <a:rPr lang="ko-KR" altLang="en-US" smtClean="0"/>
-              <a:t>2021-11-18</a:t>
+              <a:t>2021-11-19</a:t>
             </a:fld>
             <a:endParaRPr lang="ko-KR" altLang="en-US"/>
           </a:p>
@@ -702,7 +703,7 @@
           <a:p>
             <a:fld id="{C9C1371F-EFFD-428B-A2B4-E353846D2DA0}" type="datetimeFigureOut">
               <a:rPr lang="ko-KR" altLang="en-US" smtClean="0"/>
-              <a:t>2021-11-18</a:t>
+              <a:t>2021-11-19</a:t>
             </a:fld>
             <a:endParaRPr lang="ko-KR" altLang="en-US"/>
           </a:p>
@@ -900,7 +901,7 @@
           <a:p>
             <a:fld id="{C9C1371F-EFFD-428B-A2B4-E353846D2DA0}" type="datetimeFigureOut">
               <a:rPr lang="ko-KR" altLang="en-US" smtClean="0"/>
-              <a:t>2021-11-18</a:t>
+              <a:t>2021-11-19</a:t>
             </a:fld>
             <a:endParaRPr lang="ko-KR" altLang="en-US"/>
           </a:p>
@@ -1108,7 +1109,7 @@
           <a:p>
             <a:fld id="{C9C1371F-EFFD-428B-A2B4-E353846D2DA0}" type="datetimeFigureOut">
               <a:rPr lang="ko-KR" altLang="en-US" smtClean="0"/>
-              <a:t>2021-11-18</a:t>
+              <a:t>2021-11-19</a:t>
             </a:fld>
             <a:endParaRPr lang="ko-KR" altLang="en-US"/>
           </a:p>
@@ -1306,7 +1307,7 @@
           <a:p>
             <a:fld id="{C9C1371F-EFFD-428B-A2B4-E353846D2DA0}" type="datetimeFigureOut">
               <a:rPr lang="ko-KR" altLang="en-US" smtClean="0"/>
-              <a:t>2021-11-18</a:t>
+              <a:t>2021-11-19</a:t>
             </a:fld>
             <a:endParaRPr lang="ko-KR" altLang="en-US"/>
           </a:p>
@@ -1581,7 +1582,7 @@
           <a:p>
             <a:fld id="{C9C1371F-EFFD-428B-A2B4-E353846D2DA0}" type="datetimeFigureOut">
               <a:rPr lang="ko-KR" altLang="en-US" smtClean="0"/>
-              <a:t>2021-11-18</a:t>
+              <a:t>2021-11-19</a:t>
             </a:fld>
             <a:endParaRPr lang="ko-KR" altLang="en-US"/>
           </a:p>
@@ -1846,7 +1847,7 @@
           <a:p>
             <a:fld id="{C9C1371F-EFFD-428B-A2B4-E353846D2DA0}" type="datetimeFigureOut">
               <a:rPr lang="ko-KR" altLang="en-US" smtClean="0"/>
-              <a:t>2021-11-18</a:t>
+              <a:t>2021-11-19</a:t>
             </a:fld>
             <a:endParaRPr lang="ko-KR" altLang="en-US"/>
           </a:p>
@@ -2258,7 +2259,7 @@
           <a:p>
             <a:fld id="{C9C1371F-EFFD-428B-A2B4-E353846D2DA0}" type="datetimeFigureOut">
               <a:rPr lang="ko-KR" altLang="en-US" smtClean="0"/>
-              <a:t>2021-11-18</a:t>
+              <a:t>2021-11-19</a:t>
             </a:fld>
             <a:endParaRPr lang="ko-KR" altLang="en-US"/>
           </a:p>
@@ -2399,7 +2400,7 @@
           <a:p>
             <a:fld id="{C9C1371F-EFFD-428B-A2B4-E353846D2DA0}" type="datetimeFigureOut">
               <a:rPr lang="ko-KR" altLang="en-US" smtClean="0"/>
-              <a:t>2021-11-18</a:t>
+              <a:t>2021-11-19</a:t>
             </a:fld>
             <a:endParaRPr lang="ko-KR" altLang="en-US"/>
           </a:p>
@@ -2512,7 +2513,7 @@
           <a:p>
             <a:fld id="{C9C1371F-EFFD-428B-A2B4-E353846D2DA0}" type="datetimeFigureOut">
               <a:rPr lang="ko-KR" altLang="en-US" smtClean="0"/>
-              <a:t>2021-11-18</a:t>
+              <a:t>2021-11-19</a:t>
             </a:fld>
             <a:endParaRPr lang="ko-KR" altLang="en-US"/>
           </a:p>
@@ -2823,7 +2824,7 @@
           <a:p>
             <a:fld id="{C9C1371F-EFFD-428B-A2B4-E353846D2DA0}" type="datetimeFigureOut">
               <a:rPr lang="ko-KR" altLang="en-US" smtClean="0"/>
-              <a:t>2021-11-18</a:t>
+              <a:t>2021-11-19</a:t>
             </a:fld>
             <a:endParaRPr lang="ko-KR" altLang="en-US"/>
           </a:p>
@@ -3111,7 +3112,7 @@
           <a:p>
             <a:fld id="{C9C1371F-EFFD-428B-A2B4-E353846D2DA0}" type="datetimeFigureOut">
               <a:rPr lang="ko-KR" altLang="en-US" smtClean="0"/>
-              <a:t>2021-11-18</a:t>
+              <a:t>2021-11-19</a:t>
             </a:fld>
             <a:endParaRPr lang="ko-KR" altLang="en-US"/>
           </a:p>
@@ -3352,7 +3353,7 @@
           <a:p>
             <a:fld id="{C9C1371F-EFFD-428B-A2B4-E353846D2DA0}" type="datetimeFigureOut">
               <a:rPr lang="ko-KR" altLang="en-US" smtClean="0"/>
-              <a:t>2021-11-18</a:t>
+              <a:t>2021-11-19</a:t>
             </a:fld>
             <a:endParaRPr lang="ko-KR" altLang="en-US"/>
           </a:p>
@@ -13588,6 +13589,176 @@
 </p:sld>
 </file>
 
+<file path=ppt/slides/slide9.xml><?xml version="1.0" encoding="utf-8"?>
+<p:sld xmlns:a="http://schemas.openxmlformats.org/drawingml/2006/main" xmlns:r="http://schemas.openxmlformats.org/officeDocument/2006/relationships" xmlns:p="http://schemas.openxmlformats.org/presentationml/2006/main">
+  <p:cSld>
+    <p:spTree>
+      <p:nvGrpSpPr>
+        <p:cNvPr id="1" name=""/>
+        <p:cNvGrpSpPr/>
+        <p:nvPr/>
+      </p:nvGrpSpPr>
+      <p:grpSpPr>
+        <a:xfrm>
+          <a:off x="0" y="0"/>
+          <a:ext cx="0" cy="0"/>
+          <a:chOff x="0" y="0"/>
+          <a:chExt cx="0" cy="0"/>
+        </a:xfrm>
+      </p:grpSpPr>
+      <p:pic>
+        <p:nvPicPr>
+          <p:cNvPr id="5" name="그림 4">
+            <a:extLst>
+              <a:ext uri="{FF2B5EF4-FFF2-40B4-BE49-F238E27FC236}">
+                <a16:creationId xmlns:a16="http://schemas.microsoft.com/office/drawing/2014/main" id="{532638B7-9F03-4BF3-98CC-AE7A06ADEB86}"/>
+              </a:ext>
+            </a:extLst>
+          </p:cNvPr>
+          <p:cNvPicPr>
+            <a:picLocks noChangeAspect="1"/>
+          </p:cNvPicPr>
+          <p:nvPr/>
+        </p:nvPicPr>
+        <p:blipFill rotWithShape="1">
+          <a:blip r:embed="rId2">
+            <a:extLst>
+              <a:ext uri="{28A0092B-C50C-407E-A947-70E740481C1C}">
+                <a14:useLocalDpi xmlns:a14="http://schemas.microsoft.com/office/drawing/2010/main" val="0"/>
+              </a:ext>
+            </a:extLst>
+          </a:blip>
+          <a:srcRect/>
+          <a:stretch/>
+        </p:blipFill>
+        <p:spPr>
+          <a:xfrm>
+            <a:off x="3504975" y="3428999"/>
+            <a:ext cx="2591023" cy="2591025"/>
+          </a:xfrm>
+          <a:prstGeom prst="rect">
+            <a:avLst/>
+          </a:prstGeom>
+        </p:spPr>
+      </p:pic>
+      <p:pic>
+        <p:nvPicPr>
+          <p:cNvPr id="7" name="그림 6">
+            <a:extLst>
+              <a:ext uri="{FF2B5EF4-FFF2-40B4-BE49-F238E27FC236}">
+                <a16:creationId xmlns:a16="http://schemas.microsoft.com/office/drawing/2014/main" id="{8976FE2A-D843-48E3-91A0-505DEE787EEF}"/>
+              </a:ext>
+            </a:extLst>
+          </p:cNvPr>
+          <p:cNvPicPr>
+            <a:picLocks noChangeAspect="1"/>
+          </p:cNvPicPr>
+          <p:nvPr/>
+        </p:nvPicPr>
+        <p:blipFill rotWithShape="1">
+          <a:blip r:embed="rId3">
+            <a:extLst>
+              <a:ext uri="{28A0092B-C50C-407E-A947-70E740481C1C}">
+                <a14:useLocalDpi xmlns:a14="http://schemas.microsoft.com/office/drawing/2010/main" val="0"/>
+              </a:ext>
+            </a:extLst>
+          </a:blip>
+          <a:srcRect/>
+          <a:stretch/>
+        </p:blipFill>
+        <p:spPr>
+          <a:xfrm>
+            <a:off x="6095999" y="3428999"/>
+            <a:ext cx="2591025" cy="2591025"/>
+          </a:xfrm>
+          <a:prstGeom prst="rect">
+            <a:avLst/>
+          </a:prstGeom>
+        </p:spPr>
+      </p:pic>
+      <p:pic>
+        <p:nvPicPr>
+          <p:cNvPr id="9" name="그림 8">
+            <a:extLst>
+              <a:ext uri="{FF2B5EF4-FFF2-40B4-BE49-F238E27FC236}">
+                <a16:creationId xmlns:a16="http://schemas.microsoft.com/office/drawing/2014/main" id="{628C8E31-8BE5-4B72-9D96-7AB73A44989F}"/>
+              </a:ext>
+            </a:extLst>
+          </p:cNvPr>
+          <p:cNvPicPr>
+            <a:picLocks noChangeAspect="1"/>
+          </p:cNvPicPr>
+          <p:nvPr/>
+        </p:nvPicPr>
+        <p:blipFill rotWithShape="1">
+          <a:blip r:embed="rId4">
+            <a:extLst>
+              <a:ext uri="{28A0092B-C50C-407E-A947-70E740481C1C}">
+                <a14:useLocalDpi xmlns:a14="http://schemas.microsoft.com/office/drawing/2010/main" val="0"/>
+              </a:ext>
+            </a:extLst>
+          </a:blip>
+          <a:srcRect/>
+          <a:stretch/>
+        </p:blipFill>
+        <p:spPr>
+          <a:xfrm>
+            <a:off x="3504975" y="837975"/>
+            <a:ext cx="2591025" cy="2591025"/>
+          </a:xfrm>
+          <a:prstGeom prst="rect">
+            <a:avLst/>
+          </a:prstGeom>
+        </p:spPr>
+      </p:pic>
+      <p:pic>
+        <p:nvPicPr>
+          <p:cNvPr id="11" name="그림 10">
+            <a:extLst>
+              <a:ext uri="{FF2B5EF4-FFF2-40B4-BE49-F238E27FC236}">
+                <a16:creationId xmlns:a16="http://schemas.microsoft.com/office/drawing/2014/main" id="{7D572E20-4CEB-4A76-99E0-FBB89B3CBEEC}"/>
+              </a:ext>
+            </a:extLst>
+          </p:cNvPr>
+          <p:cNvPicPr>
+            <a:picLocks noChangeAspect="1"/>
+          </p:cNvPicPr>
+          <p:nvPr/>
+        </p:nvPicPr>
+        <p:blipFill rotWithShape="1">
+          <a:blip r:embed="rId5">
+            <a:extLst>
+              <a:ext uri="{28A0092B-C50C-407E-A947-70E740481C1C}">
+                <a14:useLocalDpi xmlns:a14="http://schemas.microsoft.com/office/drawing/2010/main" val="0"/>
+              </a:ext>
+            </a:extLst>
+          </a:blip>
+          <a:srcRect/>
+          <a:stretch/>
+        </p:blipFill>
+        <p:spPr>
+          <a:xfrm>
+            <a:off x="6096000" y="837975"/>
+            <a:ext cx="2591024" cy="2591025"/>
+          </a:xfrm>
+          <a:prstGeom prst="rect">
+            <a:avLst/>
+          </a:prstGeom>
+        </p:spPr>
+      </p:pic>
+    </p:spTree>
+    <p:extLst>
+      <p:ext uri="{BB962C8B-B14F-4D97-AF65-F5344CB8AC3E}">
+        <p14:creationId xmlns:p14="http://schemas.microsoft.com/office/powerpoint/2010/main" val="1130417513"/>
+      </p:ext>
+    </p:extLst>
+  </p:cSld>
+  <p:clrMapOvr>
+    <a:masterClrMapping/>
+  </p:clrMapOvr>
+</p:sld>
+</file>
+
 <file path=ppt/theme/theme1.xml><?xml version="1.0" encoding="utf-8"?>
 <a:theme xmlns:a="http://schemas.openxmlformats.org/drawingml/2006/main" name="Office 테마">
   <a:themeElements>

--- a/images/design.pptx
+++ b/images/design.pptx
@@ -205,7 +205,7 @@
           <a:p>
             <a:fld id="{4C20BAA2-BD9B-485A-B03A-9B705EBC1C18}" type="datetimeFigureOut">
               <a:rPr lang="ko-KR" altLang="en-US" smtClean="0"/>
-              <a:t>2021-11-19</a:t>
+              <a:t>2021-11-21</a:t>
             </a:fld>
             <a:endParaRPr lang="ko-KR" altLang="en-US"/>
           </a:p>
@@ -703,7 +703,7 @@
           <a:p>
             <a:fld id="{C9C1371F-EFFD-428B-A2B4-E353846D2DA0}" type="datetimeFigureOut">
               <a:rPr lang="ko-KR" altLang="en-US" smtClean="0"/>
-              <a:t>2021-11-19</a:t>
+              <a:t>2021-11-21</a:t>
             </a:fld>
             <a:endParaRPr lang="ko-KR" altLang="en-US"/>
           </a:p>
@@ -901,7 +901,7 @@
           <a:p>
             <a:fld id="{C9C1371F-EFFD-428B-A2B4-E353846D2DA0}" type="datetimeFigureOut">
               <a:rPr lang="ko-KR" altLang="en-US" smtClean="0"/>
-              <a:t>2021-11-19</a:t>
+              <a:t>2021-11-21</a:t>
             </a:fld>
             <a:endParaRPr lang="ko-KR" altLang="en-US"/>
           </a:p>
@@ -1109,7 +1109,7 @@
           <a:p>
             <a:fld id="{C9C1371F-EFFD-428B-A2B4-E353846D2DA0}" type="datetimeFigureOut">
               <a:rPr lang="ko-KR" altLang="en-US" smtClean="0"/>
-              <a:t>2021-11-19</a:t>
+              <a:t>2021-11-21</a:t>
             </a:fld>
             <a:endParaRPr lang="ko-KR" altLang="en-US"/>
           </a:p>
@@ -1307,7 +1307,7 @@
           <a:p>
             <a:fld id="{C9C1371F-EFFD-428B-A2B4-E353846D2DA0}" type="datetimeFigureOut">
               <a:rPr lang="ko-KR" altLang="en-US" smtClean="0"/>
-              <a:t>2021-11-19</a:t>
+              <a:t>2021-11-21</a:t>
             </a:fld>
             <a:endParaRPr lang="ko-KR" altLang="en-US"/>
           </a:p>
@@ -1582,7 +1582,7 @@
           <a:p>
             <a:fld id="{C9C1371F-EFFD-428B-A2B4-E353846D2DA0}" type="datetimeFigureOut">
               <a:rPr lang="ko-KR" altLang="en-US" smtClean="0"/>
-              <a:t>2021-11-19</a:t>
+              <a:t>2021-11-21</a:t>
             </a:fld>
             <a:endParaRPr lang="ko-KR" altLang="en-US"/>
           </a:p>
@@ -1847,7 +1847,7 @@
           <a:p>
             <a:fld id="{C9C1371F-EFFD-428B-A2B4-E353846D2DA0}" type="datetimeFigureOut">
               <a:rPr lang="ko-KR" altLang="en-US" smtClean="0"/>
-              <a:t>2021-11-19</a:t>
+              <a:t>2021-11-21</a:t>
             </a:fld>
             <a:endParaRPr lang="ko-KR" altLang="en-US"/>
           </a:p>
@@ -2259,7 +2259,7 @@
           <a:p>
             <a:fld id="{C9C1371F-EFFD-428B-A2B4-E353846D2DA0}" type="datetimeFigureOut">
               <a:rPr lang="ko-KR" altLang="en-US" smtClean="0"/>
-              <a:t>2021-11-19</a:t>
+              <a:t>2021-11-21</a:t>
             </a:fld>
             <a:endParaRPr lang="ko-KR" altLang="en-US"/>
           </a:p>
@@ -2400,7 +2400,7 @@
           <a:p>
             <a:fld id="{C9C1371F-EFFD-428B-A2B4-E353846D2DA0}" type="datetimeFigureOut">
               <a:rPr lang="ko-KR" altLang="en-US" smtClean="0"/>
-              <a:t>2021-11-19</a:t>
+              <a:t>2021-11-21</a:t>
             </a:fld>
             <a:endParaRPr lang="ko-KR" altLang="en-US"/>
           </a:p>
@@ -2513,7 +2513,7 @@
           <a:p>
             <a:fld id="{C9C1371F-EFFD-428B-A2B4-E353846D2DA0}" type="datetimeFigureOut">
               <a:rPr lang="ko-KR" altLang="en-US" smtClean="0"/>
-              <a:t>2021-11-19</a:t>
+              <a:t>2021-11-21</a:t>
             </a:fld>
             <a:endParaRPr lang="ko-KR" altLang="en-US"/>
           </a:p>
@@ -2824,7 +2824,7 @@
           <a:p>
             <a:fld id="{C9C1371F-EFFD-428B-A2B4-E353846D2DA0}" type="datetimeFigureOut">
               <a:rPr lang="ko-KR" altLang="en-US" smtClean="0"/>
-              <a:t>2021-11-19</a:t>
+              <a:t>2021-11-21</a:t>
             </a:fld>
             <a:endParaRPr lang="ko-KR" altLang="en-US"/>
           </a:p>
@@ -3112,7 +3112,7 @@
           <a:p>
             <a:fld id="{C9C1371F-EFFD-428B-A2B4-E353846D2DA0}" type="datetimeFigureOut">
               <a:rPr lang="ko-KR" altLang="en-US" smtClean="0"/>
-              <a:t>2021-11-19</a:t>
+              <a:t>2021-11-21</a:t>
             </a:fld>
             <a:endParaRPr lang="ko-KR" altLang="en-US"/>
           </a:p>
@@ -3353,7 +3353,7 @@
           <a:p>
             <a:fld id="{C9C1371F-EFFD-428B-A2B4-E353846D2DA0}" type="datetimeFigureOut">
               <a:rPr lang="ko-KR" altLang="en-US" smtClean="0"/>
-              <a:t>2021-11-19</a:t>
+              <a:t>2021-11-21</a:t>
             </a:fld>
             <a:endParaRPr lang="ko-KR" altLang="en-US"/>
           </a:p>
@@ -12390,6 +12390,50 @@
               <a:rPr lang="en-US" altLang="ko-KR" dirty="0"/>
               <a:t>-&gt; height: 660</a:t>
             </a:r>
+          </a:p>
+        </p:txBody>
+      </p:sp>
+      <p:sp>
+        <p:nvSpPr>
+          <p:cNvPr id="5" name="TextBox 4">
+            <a:extLst>
+              <a:ext uri="{FF2B5EF4-FFF2-40B4-BE49-F238E27FC236}">
+                <a16:creationId xmlns:a16="http://schemas.microsoft.com/office/drawing/2014/main" id="{9AA7A132-74D0-4606-9538-8A630CEA4169}"/>
+              </a:ext>
+            </a:extLst>
+          </p:cNvPr>
+          <p:cNvSpPr txBox="1"/>
+          <p:nvPr/>
+        </p:nvSpPr>
+        <p:spPr>
+          <a:xfrm>
+            <a:off x="857680" y="1543869"/>
+            <a:ext cx="1281120" cy="3770263"/>
+          </a:xfrm>
+          <a:prstGeom prst="rect">
+            <a:avLst/>
+          </a:prstGeom>
+          <a:noFill/>
+        </p:spPr>
+        <p:txBody>
+          <a:bodyPr wrap="none" rtlCol="0">
+            <a:spAutoFit/>
+          </a:bodyPr>
+          <a:lstStyle/>
+          <a:p>
+            <a:r>
+              <a:rPr lang="en-US" altLang="ko-KR" sz="23900" b="1" dirty="0">
+                <a:solidFill>
+                  <a:srgbClr val="3B86CA"/>
+                </a:solidFill>
+              </a:rPr>
+              <a:t>{</a:t>
+            </a:r>
+            <a:endParaRPr lang="ko-KR" altLang="en-US" sz="23900" b="1" dirty="0">
+              <a:solidFill>
+                <a:srgbClr val="3B86CA"/>
+              </a:solidFill>
+            </a:endParaRPr>
           </a:p>
         </p:txBody>
       </p:sp>

--- a/images/design.pptx
+++ b/images/design.pptx
@@ -5,7 +5,7 @@
     <p:sldMasterId id="2147483648" r:id="rId1"/>
   </p:sldMasterIdLst>
   <p:notesMasterIdLst>
-    <p:notesMasterId r:id="rId11"/>
+    <p:notesMasterId r:id="rId12"/>
   </p:notesMasterIdLst>
   <p:sldIdLst>
     <p:sldId id="256" r:id="rId2"/>
@@ -17,6 +17,7 @@
     <p:sldId id="262" r:id="rId8"/>
     <p:sldId id="263" r:id="rId9"/>
     <p:sldId id="264" r:id="rId10"/>
+    <p:sldId id="265" r:id="rId11"/>
   </p:sldIdLst>
   <p:sldSz cx="12192000" cy="6858000"/>
   <p:notesSz cx="6858000" cy="9144000"/>
@@ -12450,6 +12451,144 @@
 </p:sld>
 </file>
 
+<file path=ppt/slides/slide10.xml><?xml version="1.0" encoding="utf-8"?>
+<p:sld xmlns:a="http://schemas.openxmlformats.org/drawingml/2006/main" xmlns:r="http://schemas.openxmlformats.org/officeDocument/2006/relationships" xmlns:p="http://schemas.openxmlformats.org/presentationml/2006/main">
+  <p:cSld>
+    <p:spTree>
+      <p:nvGrpSpPr>
+        <p:cNvPr id="1" name=""/>
+        <p:cNvGrpSpPr/>
+        <p:nvPr/>
+      </p:nvGrpSpPr>
+      <p:grpSpPr>
+        <a:xfrm>
+          <a:off x="0" y="0"/>
+          <a:ext cx="0" cy="0"/>
+          <a:chOff x="0" y="0"/>
+          <a:chExt cx="0" cy="0"/>
+        </a:xfrm>
+      </p:grpSpPr>
+      <p:sp>
+        <p:nvSpPr>
+          <p:cNvPr id="7" name="직사각형 6">
+            <a:extLst>
+              <a:ext uri="{FF2B5EF4-FFF2-40B4-BE49-F238E27FC236}">
+                <a16:creationId xmlns:a16="http://schemas.microsoft.com/office/drawing/2014/main" id="{EC2E4EAD-C3C3-480D-A153-7D92A6C6C392}"/>
+              </a:ext>
+            </a:extLst>
+          </p:cNvPr>
+          <p:cNvSpPr/>
+          <p:nvPr/>
+        </p:nvSpPr>
+        <p:spPr>
+          <a:xfrm>
+            <a:off x="2856000" y="189000"/>
+            <a:ext cx="6480000" cy="6480000"/>
+          </a:xfrm>
+          <a:prstGeom prst="rect">
+            <a:avLst/>
+          </a:prstGeom>
+          <a:solidFill>
+            <a:srgbClr val="3B86CA"/>
+          </a:solidFill>
+          <a:ln>
+            <a:noFill/>
+          </a:ln>
+        </p:spPr>
+        <p:style>
+          <a:lnRef idx="2">
+            <a:schemeClr val="accent1">
+              <a:shade val="50000"/>
+            </a:schemeClr>
+          </a:lnRef>
+          <a:fillRef idx="1">
+            <a:schemeClr val="accent1"/>
+          </a:fillRef>
+          <a:effectRef idx="0">
+            <a:schemeClr val="accent1"/>
+          </a:effectRef>
+          <a:fontRef idx="minor">
+            <a:schemeClr val="lt1"/>
+          </a:fontRef>
+        </p:style>
+        <p:txBody>
+          <a:bodyPr rtlCol="0" anchor="ctr"/>
+          <a:lstStyle/>
+          <a:p>
+            <a:pPr algn="ctr"/>
+            <a:endParaRPr lang="ko-KR" altLang="en-US" dirty="0">
+              <a:solidFill>
+                <a:srgbClr val="3B86CA"/>
+              </a:solidFill>
+            </a:endParaRPr>
+          </a:p>
+        </p:txBody>
+      </p:sp>
+      <p:sp>
+        <p:nvSpPr>
+          <p:cNvPr id="3" name="화살표: 오른쪽 2">
+            <a:extLst>
+              <a:ext uri="{FF2B5EF4-FFF2-40B4-BE49-F238E27FC236}">
+                <a16:creationId xmlns:a16="http://schemas.microsoft.com/office/drawing/2014/main" id="{C464814F-C669-4396-9A19-1AB95A3FB694}"/>
+              </a:ext>
+            </a:extLst>
+          </p:cNvPr>
+          <p:cNvSpPr/>
+          <p:nvPr/>
+        </p:nvSpPr>
+        <p:spPr>
+          <a:xfrm rot="18894474">
+            <a:off x="3576000" y="909000"/>
+            <a:ext cx="5040000" cy="5040000"/>
+          </a:xfrm>
+          <a:prstGeom prst="rightArrow">
+            <a:avLst/>
+          </a:prstGeom>
+          <a:solidFill>
+            <a:schemeClr val="bg1"/>
+          </a:solidFill>
+          <a:ln>
+            <a:noFill/>
+          </a:ln>
+        </p:spPr>
+        <p:style>
+          <a:lnRef idx="2">
+            <a:schemeClr val="accent1">
+              <a:shade val="50000"/>
+            </a:schemeClr>
+          </a:lnRef>
+          <a:fillRef idx="1">
+            <a:schemeClr val="accent1"/>
+          </a:fillRef>
+          <a:effectRef idx="0">
+            <a:schemeClr val="accent1"/>
+          </a:effectRef>
+          <a:fontRef idx="minor">
+            <a:schemeClr val="lt1"/>
+          </a:fontRef>
+        </p:style>
+        <p:txBody>
+          <a:bodyPr rtlCol="0" anchor="ctr"/>
+          <a:lstStyle/>
+          <a:p>
+            <a:pPr algn="ctr"/>
+            <a:endParaRPr lang="ko-KR" altLang="en-US" dirty="0"/>
+          </a:p>
+        </p:txBody>
+      </p:sp>
+    </p:spTree>
+    <p:extLst>
+      <p:ext uri="{BB962C8B-B14F-4D97-AF65-F5344CB8AC3E}">
+        <p14:creationId xmlns:p14="http://schemas.microsoft.com/office/powerpoint/2010/main" val="3425665386"/>
+      </p:ext>
+    </p:extLst>
+  </p:cSld>
+  <p:clrMapOvr>
+    <a:masterClrMapping/>
+  </p:clrMapOvr>
+</p:sld>
+</file>
+
 <file path=ppt/slides/slide2.xml><?xml version="1.0" encoding="utf-8"?>
 <p:sld xmlns:a="http://schemas.openxmlformats.org/drawingml/2006/main" xmlns:r="http://schemas.openxmlformats.org/officeDocument/2006/relationships" xmlns:p="http://schemas.openxmlformats.org/presentationml/2006/main">
   <p:cSld>

--- a/images/design.pptx
+++ b/images/design.pptx
@@ -5,7 +5,7 @@
     <p:sldMasterId id="2147483648" r:id="rId1"/>
   </p:sldMasterIdLst>
   <p:notesMasterIdLst>
-    <p:notesMasterId r:id="rId12"/>
+    <p:notesMasterId r:id="rId15"/>
   </p:notesMasterIdLst>
   <p:sldIdLst>
     <p:sldId id="256" r:id="rId2"/>
@@ -18,6 +18,9 @@
     <p:sldId id="263" r:id="rId9"/>
     <p:sldId id="264" r:id="rId10"/>
     <p:sldId id="265" r:id="rId11"/>
+    <p:sldId id="266" r:id="rId12"/>
+    <p:sldId id="267" r:id="rId13"/>
+    <p:sldId id="268" r:id="rId14"/>
   </p:sldIdLst>
   <p:sldSz cx="12192000" cy="6858000"/>
   <p:notesSz cx="6858000" cy="9144000"/>
@@ -206,7 +209,7 @@
           <a:p>
             <a:fld id="{4C20BAA2-BD9B-485A-B03A-9B705EBC1C18}" type="datetimeFigureOut">
               <a:rPr lang="ko-KR" altLang="en-US" smtClean="0"/>
-              <a:t>2021-11-21</a:t>
+              <a:t>2021-11-26</a:t>
             </a:fld>
             <a:endParaRPr lang="ko-KR" altLang="en-US"/>
           </a:p>
@@ -704,7 +707,7 @@
           <a:p>
             <a:fld id="{C9C1371F-EFFD-428B-A2B4-E353846D2DA0}" type="datetimeFigureOut">
               <a:rPr lang="ko-KR" altLang="en-US" smtClean="0"/>
-              <a:t>2021-11-21</a:t>
+              <a:t>2021-11-26</a:t>
             </a:fld>
             <a:endParaRPr lang="ko-KR" altLang="en-US"/>
           </a:p>
@@ -902,7 +905,7 @@
           <a:p>
             <a:fld id="{C9C1371F-EFFD-428B-A2B4-E353846D2DA0}" type="datetimeFigureOut">
               <a:rPr lang="ko-KR" altLang="en-US" smtClean="0"/>
-              <a:t>2021-11-21</a:t>
+              <a:t>2021-11-26</a:t>
             </a:fld>
             <a:endParaRPr lang="ko-KR" altLang="en-US"/>
           </a:p>
@@ -1110,7 +1113,7 @@
           <a:p>
             <a:fld id="{C9C1371F-EFFD-428B-A2B4-E353846D2DA0}" type="datetimeFigureOut">
               <a:rPr lang="ko-KR" altLang="en-US" smtClean="0"/>
-              <a:t>2021-11-21</a:t>
+              <a:t>2021-11-26</a:t>
             </a:fld>
             <a:endParaRPr lang="ko-KR" altLang="en-US"/>
           </a:p>
@@ -1308,7 +1311,7 @@
           <a:p>
             <a:fld id="{C9C1371F-EFFD-428B-A2B4-E353846D2DA0}" type="datetimeFigureOut">
               <a:rPr lang="ko-KR" altLang="en-US" smtClean="0"/>
-              <a:t>2021-11-21</a:t>
+              <a:t>2021-11-26</a:t>
             </a:fld>
             <a:endParaRPr lang="ko-KR" altLang="en-US"/>
           </a:p>
@@ -1583,7 +1586,7 @@
           <a:p>
             <a:fld id="{C9C1371F-EFFD-428B-A2B4-E353846D2DA0}" type="datetimeFigureOut">
               <a:rPr lang="ko-KR" altLang="en-US" smtClean="0"/>
-              <a:t>2021-11-21</a:t>
+              <a:t>2021-11-26</a:t>
             </a:fld>
             <a:endParaRPr lang="ko-KR" altLang="en-US"/>
           </a:p>
@@ -1848,7 +1851,7 @@
           <a:p>
             <a:fld id="{C9C1371F-EFFD-428B-A2B4-E353846D2DA0}" type="datetimeFigureOut">
               <a:rPr lang="ko-KR" altLang="en-US" smtClean="0"/>
-              <a:t>2021-11-21</a:t>
+              <a:t>2021-11-26</a:t>
             </a:fld>
             <a:endParaRPr lang="ko-KR" altLang="en-US"/>
           </a:p>
@@ -2260,7 +2263,7 @@
           <a:p>
             <a:fld id="{C9C1371F-EFFD-428B-A2B4-E353846D2DA0}" type="datetimeFigureOut">
               <a:rPr lang="ko-KR" altLang="en-US" smtClean="0"/>
-              <a:t>2021-11-21</a:t>
+              <a:t>2021-11-26</a:t>
             </a:fld>
             <a:endParaRPr lang="ko-KR" altLang="en-US"/>
           </a:p>
@@ -2401,7 +2404,7 @@
           <a:p>
             <a:fld id="{C9C1371F-EFFD-428B-A2B4-E353846D2DA0}" type="datetimeFigureOut">
               <a:rPr lang="ko-KR" altLang="en-US" smtClean="0"/>
-              <a:t>2021-11-21</a:t>
+              <a:t>2021-11-26</a:t>
             </a:fld>
             <a:endParaRPr lang="ko-KR" altLang="en-US"/>
           </a:p>
@@ -2514,7 +2517,7 @@
           <a:p>
             <a:fld id="{C9C1371F-EFFD-428B-A2B4-E353846D2DA0}" type="datetimeFigureOut">
               <a:rPr lang="ko-KR" altLang="en-US" smtClean="0"/>
-              <a:t>2021-11-21</a:t>
+              <a:t>2021-11-26</a:t>
             </a:fld>
             <a:endParaRPr lang="ko-KR" altLang="en-US"/>
           </a:p>
@@ -2825,7 +2828,7 @@
           <a:p>
             <a:fld id="{C9C1371F-EFFD-428B-A2B4-E353846D2DA0}" type="datetimeFigureOut">
               <a:rPr lang="ko-KR" altLang="en-US" smtClean="0"/>
-              <a:t>2021-11-21</a:t>
+              <a:t>2021-11-26</a:t>
             </a:fld>
             <a:endParaRPr lang="ko-KR" altLang="en-US"/>
           </a:p>
@@ -3113,7 +3116,7 @@
           <a:p>
             <a:fld id="{C9C1371F-EFFD-428B-A2B4-E353846D2DA0}" type="datetimeFigureOut">
               <a:rPr lang="ko-KR" altLang="en-US" smtClean="0"/>
-              <a:t>2021-11-21</a:t>
+              <a:t>2021-11-26</a:t>
             </a:fld>
             <a:endParaRPr lang="ko-KR" altLang="en-US"/>
           </a:p>
@@ -3354,7 +3357,7 @@
           <a:p>
             <a:fld id="{C9C1371F-EFFD-428B-A2B4-E353846D2DA0}" type="datetimeFigureOut">
               <a:rPr lang="ko-KR" altLang="en-US" smtClean="0"/>
-              <a:t>2021-11-21</a:t>
+              <a:t>2021-11-26</a:t>
             </a:fld>
             <a:endParaRPr lang="ko-KR" altLang="en-US"/>
           </a:p>
@@ -12580,6 +12583,700 @@
     <p:extLst>
       <p:ext uri="{BB962C8B-B14F-4D97-AF65-F5344CB8AC3E}">
         <p14:creationId xmlns:p14="http://schemas.microsoft.com/office/powerpoint/2010/main" val="3425665386"/>
+      </p:ext>
+    </p:extLst>
+  </p:cSld>
+  <p:clrMapOvr>
+    <a:masterClrMapping/>
+  </p:clrMapOvr>
+</p:sld>
+</file>
+
+<file path=ppt/slides/slide11.xml><?xml version="1.0" encoding="utf-8"?>
+<p:sld xmlns:a="http://schemas.openxmlformats.org/drawingml/2006/main" xmlns:r="http://schemas.openxmlformats.org/officeDocument/2006/relationships" xmlns:p="http://schemas.openxmlformats.org/presentationml/2006/main">
+  <p:cSld>
+    <p:spTree>
+      <p:nvGrpSpPr>
+        <p:cNvPr id="1" name=""/>
+        <p:cNvGrpSpPr/>
+        <p:nvPr/>
+      </p:nvGrpSpPr>
+      <p:grpSpPr>
+        <a:xfrm>
+          <a:off x="0" y="0"/>
+          <a:ext cx="0" cy="0"/>
+          <a:chOff x="0" y="0"/>
+          <a:chExt cx="0" cy="0"/>
+        </a:xfrm>
+      </p:grpSpPr>
+      <p:pic>
+        <p:nvPicPr>
+          <p:cNvPr id="8" name="그림 7">
+            <a:extLst>
+              <a:ext uri="{FF2B5EF4-FFF2-40B4-BE49-F238E27FC236}">
+                <a16:creationId xmlns:a16="http://schemas.microsoft.com/office/drawing/2014/main" id="{8B034045-943B-4505-AE13-192973F7E1E7}"/>
+              </a:ext>
+            </a:extLst>
+          </p:cNvPr>
+          <p:cNvPicPr>
+            <a:picLocks noChangeAspect="1"/>
+          </p:cNvPicPr>
+          <p:nvPr/>
+        </p:nvPicPr>
+        <p:blipFill>
+          <a:blip r:embed="rId2">
+            <a:extLst>
+              <a:ext uri="{28A0092B-C50C-407E-A947-70E740481C1C}">
+                <a14:useLocalDpi xmlns:a14="http://schemas.microsoft.com/office/drawing/2010/main" val="0"/>
+              </a:ext>
+            </a:extLst>
+          </a:blip>
+          <a:stretch>
+            <a:fillRect/>
+          </a:stretch>
+        </p:blipFill>
+        <p:spPr>
+          <a:xfrm>
+            <a:off x="3891920" y="3624706"/>
+            <a:ext cx="600128" cy="335665"/>
+          </a:xfrm>
+          <a:prstGeom prst="rect">
+            <a:avLst/>
+          </a:prstGeom>
+        </p:spPr>
+      </p:pic>
+      <p:sp>
+        <p:nvSpPr>
+          <p:cNvPr id="9" name="TextBox 8">
+            <a:extLst>
+              <a:ext uri="{FF2B5EF4-FFF2-40B4-BE49-F238E27FC236}">
+                <a16:creationId xmlns:a16="http://schemas.microsoft.com/office/drawing/2014/main" id="{3DDAC4A2-06BD-485B-9067-B3F6BF8D4D22}"/>
+              </a:ext>
+            </a:extLst>
+          </p:cNvPr>
+          <p:cNvSpPr txBox="1"/>
+          <p:nvPr/>
+        </p:nvSpPr>
+        <p:spPr>
+          <a:xfrm>
+            <a:off x="4375230" y="3294062"/>
+            <a:ext cx="1515479" cy="923330"/>
+          </a:xfrm>
+          <a:prstGeom prst="rect">
+            <a:avLst/>
+          </a:prstGeom>
+          <a:noFill/>
+        </p:spPr>
+        <p:txBody>
+          <a:bodyPr wrap="none" rtlCol="0">
+            <a:spAutoFit/>
+          </a:bodyPr>
+          <a:lstStyle/>
+          <a:p>
+            <a:r>
+              <a:rPr lang="en-US" altLang="ko-KR" sz="5400" dirty="0">
+                <a:latin typeface="카페24 써라운드 에어 " pitchFamily="2" charset="-127"/>
+                <a:ea typeface="카페24 써라운드 에어 " pitchFamily="2" charset="-127"/>
+                <a:cs typeface="카페24 써라운드 에어 " pitchFamily="2" charset="-127"/>
+              </a:rPr>
+              <a:t>Tris</a:t>
+            </a:r>
+            <a:endParaRPr lang="ko-KR" altLang="en-US" sz="5400" dirty="0">
+              <a:latin typeface="카페24 써라운드 에어 " pitchFamily="2" charset="-127"/>
+              <a:ea typeface="카페24 써라운드 에어 " pitchFamily="2" charset="-127"/>
+              <a:cs typeface="카페24 써라운드 에어 " pitchFamily="2" charset="-127"/>
+            </a:endParaRPr>
+          </a:p>
+        </p:txBody>
+      </p:sp>
+    </p:spTree>
+    <p:extLst>
+      <p:ext uri="{BB962C8B-B14F-4D97-AF65-F5344CB8AC3E}">
+        <p14:creationId xmlns:p14="http://schemas.microsoft.com/office/powerpoint/2010/main" val="4055566862"/>
+      </p:ext>
+    </p:extLst>
+  </p:cSld>
+  <p:clrMapOvr>
+    <a:masterClrMapping/>
+  </p:clrMapOvr>
+</p:sld>
+</file>
+
+<file path=ppt/slides/slide12.xml><?xml version="1.0" encoding="utf-8"?>
+<p:sld xmlns:a="http://schemas.openxmlformats.org/drawingml/2006/main" xmlns:r="http://schemas.openxmlformats.org/officeDocument/2006/relationships" xmlns:p="http://schemas.openxmlformats.org/presentationml/2006/main">
+  <p:cSld>
+    <p:spTree>
+      <p:nvGrpSpPr>
+        <p:cNvPr id="1" name=""/>
+        <p:cNvGrpSpPr/>
+        <p:nvPr/>
+      </p:nvGrpSpPr>
+      <p:grpSpPr>
+        <a:xfrm>
+          <a:off x="0" y="0"/>
+          <a:ext cx="0" cy="0"/>
+          <a:chOff x="0" y="0"/>
+          <a:chExt cx="0" cy="0"/>
+        </a:xfrm>
+      </p:grpSpPr>
+      <p:sp>
+        <p:nvSpPr>
+          <p:cNvPr id="4" name="타원 3">
+            <a:extLst>
+              <a:ext uri="{FF2B5EF4-FFF2-40B4-BE49-F238E27FC236}">
+                <a16:creationId xmlns:a16="http://schemas.microsoft.com/office/drawing/2014/main" id="{36259BB6-0F5A-44DA-B90B-94DD5DDCA238}"/>
+              </a:ext>
+            </a:extLst>
+          </p:cNvPr>
+          <p:cNvSpPr/>
+          <p:nvPr/>
+        </p:nvSpPr>
+        <p:spPr>
+          <a:xfrm>
+            <a:off x="2856000" y="189000"/>
+            <a:ext cx="6480000" cy="6480000"/>
+          </a:xfrm>
+          <a:prstGeom prst="ellipse">
+            <a:avLst/>
+          </a:prstGeom>
+          <a:solidFill>
+            <a:schemeClr val="tx1"/>
+          </a:solidFill>
+          <a:ln w="76200">
+            <a:noFill/>
+          </a:ln>
+        </p:spPr>
+        <p:style>
+          <a:lnRef idx="2">
+            <a:schemeClr val="accent1">
+              <a:shade val="50000"/>
+            </a:schemeClr>
+          </a:lnRef>
+          <a:fillRef idx="1">
+            <a:schemeClr val="accent1"/>
+          </a:fillRef>
+          <a:effectRef idx="0">
+            <a:schemeClr val="accent1"/>
+          </a:effectRef>
+          <a:fontRef idx="minor">
+            <a:schemeClr val="lt1"/>
+          </a:fontRef>
+        </p:style>
+        <p:txBody>
+          <a:bodyPr rtlCol="0" anchor="ctr"/>
+          <a:lstStyle/>
+          <a:p>
+            <a:pPr algn="ctr"/>
+            <a:endParaRPr lang="ko-KR" altLang="en-US" dirty="0"/>
+          </a:p>
+        </p:txBody>
+      </p:sp>
+      <p:sp>
+        <p:nvSpPr>
+          <p:cNvPr id="6" name="별: 꼭짓점 8개 5">
+            <a:extLst>
+              <a:ext uri="{FF2B5EF4-FFF2-40B4-BE49-F238E27FC236}">
+                <a16:creationId xmlns:a16="http://schemas.microsoft.com/office/drawing/2014/main" id="{B054DCC5-9D97-4F2F-93D0-F00B523BBB3B}"/>
+              </a:ext>
+            </a:extLst>
+          </p:cNvPr>
+          <p:cNvSpPr/>
+          <p:nvPr/>
+        </p:nvSpPr>
+        <p:spPr>
+          <a:xfrm>
+            <a:off x="3135984" y="468984"/>
+            <a:ext cx="5920033" cy="5920033"/>
+          </a:xfrm>
+          <a:prstGeom prst="star8">
+            <a:avLst/>
+          </a:prstGeom>
+          <a:solidFill>
+            <a:schemeClr val="bg1"/>
+          </a:solidFill>
+          <a:ln>
+            <a:noFill/>
+          </a:ln>
+        </p:spPr>
+        <p:style>
+          <a:lnRef idx="2">
+            <a:schemeClr val="accent1">
+              <a:shade val="50000"/>
+            </a:schemeClr>
+          </a:lnRef>
+          <a:fillRef idx="1">
+            <a:schemeClr val="accent1"/>
+          </a:fillRef>
+          <a:effectRef idx="0">
+            <a:schemeClr val="accent1"/>
+          </a:effectRef>
+          <a:fontRef idx="minor">
+            <a:schemeClr val="lt1"/>
+          </a:fontRef>
+        </p:style>
+        <p:txBody>
+          <a:bodyPr rtlCol="0" anchor="ctr"/>
+          <a:lstStyle/>
+          <a:p>
+            <a:pPr algn="ctr"/>
+            <a:endParaRPr lang="ko-KR" altLang="en-US" dirty="0"/>
+          </a:p>
+        </p:txBody>
+      </p:sp>
+      <p:sp>
+        <p:nvSpPr>
+          <p:cNvPr id="8" name="타원 7">
+            <a:extLst>
+              <a:ext uri="{FF2B5EF4-FFF2-40B4-BE49-F238E27FC236}">
+                <a16:creationId xmlns:a16="http://schemas.microsoft.com/office/drawing/2014/main" id="{FC721A4B-8A0D-46FF-A41A-8ADD4F8FA25C}"/>
+              </a:ext>
+            </a:extLst>
+          </p:cNvPr>
+          <p:cNvSpPr/>
+          <p:nvPr/>
+        </p:nvSpPr>
+        <p:spPr>
+          <a:xfrm>
+            <a:off x="4835652" y="2168652"/>
+            <a:ext cx="2520696" cy="2520696"/>
+          </a:xfrm>
+          <a:prstGeom prst="ellipse">
+            <a:avLst/>
+          </a:prstGeom>
+          <a:solidFill>
+            <a:schemeClr val="tx1"/>
+          </a:solidFill>
+          <a:ln>
+            <a:noFill/>
+          </a:ln>
+        </p:spPr>
+        <p:style>
+          <a:lnRef idx="2">
+            <a:schemeClr val="accent1">
+              <a:shade val="50000"/>
+            </a:schemeClr>
+          </a:lnRef>
+          <a:fillRef idx="1">
+            <a:schemeClr val="accent1"/>
+          </a:fillRef>
+          <a:effectRef idx="0">
+            <a:schemeClr val="accent1"/>
+          </a:effectRef>
+          <a:fontRef idx="minor">
+            <a:schemeClr val="lt1"/>
+          </a:fontRef>
+        </p:style>
+        <p:txBody>
+          <a:bodyPr rtlCol="0" anchor="ctr"/>
+          <a:lstStyle/>
+          <a:p>
+            <a:pPr algn="ctr"/>
+            <a:endParaRPr lang="ko-KR" altLang="en-US" dirty="0"/>
+          </a:p>
+        </p:txBody>
+      </p:sp>
+    </p:spTree>
+    <p:extLst>
+      <p:ext uri="{BB962C8B-B14F-4D97-AF65-F5344CB8AC3E}">
+        <p14:creationId xmlns:p14="http://schemas.microsoft.com/office/powerpoint/2010/main" val="2619039556"/>
+      </p:ext>
+    </p:extLst>
+  </p:cSld>
+  <p:clrMapOvr>
+    <a:masterClrMapping/>
+  </p:clrMapOvr>
+</p:sld>
+</file>
+
+<file path=ppt/slides/slide13.xml><?xml version="1.0" encoding="utf-8"?>
+<p:sld xmlns:a="http://schemas.openxmlformats.org/drawingml/2006/main" xmlns:r="http://schemas.openxmlformats.org/officeDocument/2006/relationships" xmlns:p="http://schemas.openxmlformats.org/presentationml/2006/main">
+  <p:cSld>
+    <p:spTree>
+      <p:nvGrpSpPr>
+        <p:cNvPr id="1" name=""/>
+        <p:cNvGrpSpPr/>
+        <p:nvPr/>
+      </p:nvGrpSpPr>
+      <p:grpSpPr>
+        <a:xfrm>
+          <a:off x="0" y="0"/>
+          <a:ext cx="0" cy="0"/>
+          <a:chOff x="0" y="0"/>
+          <a:chExt cx="0" cy="0"/>
+        </a:xfrm>
+      </p:grpSpPr>
+      <p:sp>
+        <p:nvSpPr>
+          <p:cNvPr id="2" name="직사각형 1">
+            <a:extLst>
+              <a:ext uri="{FF2B5EF4-FFF2-40B4-BE49-F238E27FC236}">
+                <a16:creationId xmlns:a16="http://schemas.microsoft.com/office/drawing/2014/main" id="{657A4E58-AD9D-4015-A188-4D7FCDD0FF5F}"/>
+              </a:ext>
+            </a:extLst>
+          </p:cNvPr>
+          <p:cNvSpPr/>
+          <p:nvPr/>
+        </p:nvSpPr>
+        <p:spPr>
+          <a:xfrm>
+            <a:off x="0" y="0"/>
+            <a:ext cx="12192000" cy="6858000"/>
+          </a:xfrm>
+          <a:prstGeom prst="rect">
+            <a:avLst/>
+          </a:prstGeom>
+          <a:solidFill>
+            <a:schemeClr val="tx1"/>
+          </a:solidFill>
+          <a:ln>
+            <a:noFill/>
+          </a:ln>
+        </p:spPr>
+        <p:style>
+          <a:lnRef idx="2">
+            <a:schemeClr val="accent1">
+              <a:shade val="50000"/>
+            </a:schemeClr>
+          </a:lnRef>
+          <a:fillRef idx="1">
+            <a:schemeClr val="accent1"/>
+          </a:fillRef>
+          <a:effectRef idx="0">
+            <a:schemeClr val="accent1"/>
+          </a:effectRef>
+          <a:fontRef idx="minor">
+            <a:schemeClr val="lt1"/>
+          </a:fontRef>
+        </p:style>
+        <p:txBody>
+          <a:bodyPr rtlCol="0" anchor="ctr"/>
+          <a:lstStyle/>
+          <a:p>
+            <a:pPr algn="ctr"/>
+            <a:endParaRPr lang="ko-KR" altLang="en-US" dirty="0"/>
+          </a:p>
+        </p:txBody>
+      </p:sp>
+      <p:sp>
+        <p:nvSpPr>
+          <p:cNvPr id="4" name="타원 3">
+            <a:extLst>
+              <a:ext uri="{FF2B5EF4-FFF2-40B4-BE49-F238E27FC236}">
+                <a16:creationId xmlns:a16="http://schemas.microsoft.com/office/drawing/2014/main" id="{36259BB6-0F5A-44DA-B90B-94DD5DDCA238}"/>
+              </a:ext>
+            </a:extLst>
+          </p:cNvPr>
+          <p:cNvSpPr/>
+          <p:nvPr/>
+        </p:nvSpPr>
+        <p:spPr>
+          <a:xfrm>
+            <a:off x="2856000" y="189000"/>
+            <a:ext cx="6480000" cy="6480000"/>
+          </a:xfrm>
+          <a:prstGeom prst="ellipse">
+            <a:avLst/>
+          </a:prstGeom>
+          <a:solidFill>
+            <a:schemeClr val="bg1"/>
+          </a:solidFill>
+          <a:ln w="76200">
+            <a:noFill/>
+          </a:ln>
+        </p:spPr>
+        <p:style>
+          <a:lnRef idx="2">
+            <a:schemeClr val="accent1">
+              <a:shade val="50000"/>
+            </a:schemeClr>
+          </a:lnRef>
+          <a:fillRef idx="1">
+            <a:schemeClr val="accent1"/>
+          </a:fillRef>
+          <a:effectRef idx="0">
+            <a:schemeClr val="accent1"/>
+          </a:effectRef>
+          <a:fontRef idx="minor">
+            <a:schemeClr val="lt1"/>
+          </a:fontRef>
+        </p:style>
+        <p:txBody>
+          <a:bodyPr rtlCol="0" anchor="ctr"/>
+          <a:lstStyle/>
+          <a:p>
+            <a:pPr algn="ctr"/>
+            <a:endParaRPr lang="ko-KR" altLang="en-US" dirty="0"/>
+          </a:p>
+        </p:txBody>
+      </p:sp>
+      <p:sp>
+        <p:nvSpPr>
+          <p:cNvPr id="7" name="원형: 비어 있음 6">
+            <a:extLst>
+              <a:ext uri="{FF2B5EF4-FFF2-40B4-BE49-F238E27FC236}">
+                <a16:creationId xmlns:a16="http://schemas.microsoft.com/office/drawing/2014/main" id="{3BE1B2C0-5222-4E3D-8E83-34005AFFCB26}"/>
+              </a:ext>
+            </a:extLst>
+          </p:cNvPr>
+          <p:cNvSpPr/>
+          <p:nvPr/>
+        </p:nvSpPr>
+        <p:spPr>
+          <a:xfrm>
+            <a:off x="3576000" y="909000"/>
+            <a:ext cx="5040000" cy="5040000"/>
+          </a:xfrm>
+          <a:prstGeom prst="donut">
+            <a:avLst/>
+          </a:prstGeom>
+          <a:solidFill>
+            <a:schemeClr val="tx1"/>
+          </a:solidFill>
+          <a:ln>
+            <a:noFill/>
+          </a:ln>
+        </p:spPr>
+        <p:style>
+          <a:lnRef idx="2">
+            <a:schemeClr val="accent1">
+              <a:shade val="50000"/>
+            </a:schemeClr>
+          </a:lnRef>
+          <a:fillRef idx="1">
+            <a:schemeClr val="accent1"/>
+          </a:fillRef>
+          <a:effectRef idx="0">
+            <a:schemeClr val="accent1"/>
+          </a:effectRef>
+          <a:fontRef idx="minor">
+            <a:schemeClr val="lt1"/>
+          </a:fontRef>
+        </p:style>
+        <p:txBody>
+          <a:bodyPr rtlCol="0" anchor="ctr"/>
+          <a:lstStyle/>
+          <a:p>
+            <a:pPr algn="ctr"/>
+            <a:endParaRPr lang="ko-KR" altLang="en-US" dirty="0">
+              <a:solidFill>
+                <a:schemeClr val="tx1"/>
+              </a:solidFill>
+            </a:endParaRPr>
+          </a:p>
+        </p:txBody>
+      </p:sp>
+      <p:sp>
+        <p:nvSpPr>
+          <p:cNvPr id="3" name="직각 삼각형 2">
+            <a:extLst>
+              <a:ext uri="{FF2B5EF4-FFF2-40B4-BE49-F238E27FC236}">
+                <a16:creationId xmlns:a16="http://schemas.microsoft.com/office/drawing/2014/main" id="{402695B3-5B69-4370-AB44-7DD5569B96E6}"/>
+              </a:ext>
+            </a:extLst>
+          </p:cNvPr>
+          <p:cNvSpPr/>
+          <p:nvPr/>
+        </p:nvSpPr>
+        <p:spPr>
+          <a:xfrm rot="10800000">
+            <a:off x="3936000" y="1269000"/>
+            <a:ext cx="4320000" cy="4320000"/>
+          </a:xfrm>
+          <a:prstGeom prst="rtTriangle">
+            <a:avLst/>
+          </a:prstGeom>
+          <a:solidFill>
+            <a:schemeClr val="bg1"/>
+          </a:solidFill>
+          <a:ln>
+            <a:noFill/>
+          </a:ln>
+        </p:spPr>
+        <p:style>
+          <a:lnRef idx="2">
+            <a:schemeClr val="accent1">
+              <a:shade val="50000"/>
+            </a:schemeClr>
+          </a:lnRef>
+          <a:fillRef idx="1">
+            <a:schemeClr val="accent1"/>
+          </a:fillRef>
+          <a:effectRef idx="0">
+            <a:schemeClr val="accent1"/>
+          </a:effectRef>
+          <a:fontRef idx="minor">
+            <a:schemeClr val="lt1"/>
+          </a:fontRef>
+        </p:style>
+        <p:txBody>
+          <a:bodyPr rtlCol="0" anchor="ctr"/>
+          <a:lstStyle/>
+          <a:p>
+            <a:pPr algn="ctr"/>
+            <a:endParaRPr lang="ko-KR" altLang="en-US" dirty="0"/>
+          </a:p>
+        </p:txBody>
+      </p:sp>
+      <p:sp>
+        <p:nvSpPr>
+          <p:cNvPr id="5" name="직사각형 4">
+            <a:extLst>
+              <a:ext uri="{FF2B5EF4-FFF2-40B4-BE49-F238E27FC236}">
+                <a16:creationId xmlns:a16="http://schemas.microsoft.com/office/drawing/2014/main" id="{52DFB311-298C-4009-8066-50DC93F85B6D}"/>
+              </a:ext>
+            </a:extLst>
+          </p:cNvPr>
+          <p:cNvSpPr/>
+          <p:nvPr/>
+        </p:nvSpPr>
+        <p:spPr>
+          <a:xfrm>
+            <a:off x="4736123" y="549000"/>
+            <a:ext cx="2719754" cy="998446"/>
+          </a:xfrm>
+          <a:prstGeom prst="rect">
+            <a:avLst/>
+          </a:prstGeom>
+          <a:solidFill>
+            <a:schemeClr val="bg1"/>
+          </a:solidFill>
+          <a:ln>
+            <a:noFill/>
+          </a:ln>
+        </p:spPr>
+        <p:style>
+          <a:lnRef idx="2">
+            <a:schemeClr val="accent1">
+              <a:shade val="50000"/>
+            </a:schemeClr>
+          </a:lnRef>
+          <a:fillRef idx="1">
+            <a:schemeClr val="accent1"/>
+          </a:fillRef>
+          <a:effectRef idx="0">
+            <a:schemeClr val="accent1"/>
+          </a:effectRef>
+          <a:fontRef idx="minor">
+            <a:schemeClr val="lt1"/>
+          </a:fontRef>
+        </p:style>
+        <p:txBody>
+          <a:bodyPr rtlCol="0" anchor="ctr"/>
+          <a:lstStyle/>
+          <a:p>
+            <a:pPr algn="ctr"/>
+            <a:endParaRPr lang="ko-KR" altLang="en-US" dirty="0"/>
+          </a:p>
+        </p:txBody>
+      </p:sp>
+      <p:sp>
+        <p:nvSpPr>
+          <p:cNvPr id="9" name="직사각형 8">
+            <a:extLst>
+              <a:ext uri="{FF2B5EF4-FFF2-40B4-BE49-F238E27FC236}">
+                <a16:creationId xmlns:a16="http://schemas.microsoft.com/office/drawing/2014/main" id="{C9F841E4-F4E6-4062-A239-137C88DB5CC2}"/>
+              </a:ext>
+            </a:extLst>
+          </p:cNvPr>
+          <p:cNvSpPr/>
+          <p:nvPr/>
+        </p:nvSpPr>
+        <p:spPr>
+          <a:xfrm rot="5400000">
+            <a:off x="7076123" y="2929777"/>
+            <a:ext cx="2719754" cy="998446"/>
+          </a:xfrm>
+          <a:prstGeom prst="rect">
+            <a:avLst/>
+          </a:prstGeom>
+          <a:solidFill>
+            <a:schemeClr val="bg1"/>
+          </a:solidFill>
+          <a:ln>
+            <a:noFill/>
+          </a:ln>
+        </p:spPr>
+        <p:style>
+          <a:lnRef idx="2">
+            <a:schemeClr val="accent1">
+              <a:shade val="50000"/>
+            </a:schemeClr>
+          </a:lnRef>
+          <a:fillRef idx="1">
+            <a:schemeClr val="accent1"/>
+          </a:fillRef>
+          <a:effectRef idx="0">
+            <a:schemeClr val="accent1"/>
+          </a:effectRef>
+          <a:fontRef idx="minor">
+            <a:schemeClr val="lt1"/>
+          </a:fontRef>
+        </p:style>
+        <p:txBody>
+          <a:bodyPr rtlCol="0" anchor="ctr"/>
+          <a:lstStyle/>
+          <a:p>
+            <a:pPr algn="ctr"/>
+            <a:endParaRPr lang="ko-KR" altLang="en-US" dirty="0"/>
+          </a:p>
+        </p:txBody>
+      </p:sp>
+      <p:sp>
+        <p:nvSpPr>
+          <p:cNvPr id="10" name="직사각형 9">
+            <a:extLst>
+              <a:ext uri="{FF2B5EF4-FFF2-40B4-BE49-F238E27FC236}">
+                <a16:creationId xmlns:a16="http://schemas.microsoft.com/office/drawing/2014/main" id="{B363063F-3FAC-4839-BD45-7BB2CF64BB1F}"/>
+              </a:ext>
+            </a:extLst>
+          </p:cNvPr>
+          <p:cNvSpPr/>
+          <p:nvPr/>
+        </p:nvSpPr>
+        <p:spPr>
+          <a:xfrm rot="2700000">
+            <a:off x="3661541" y="3266732"/>
+            <a:ext cx="4320000" cy="540000"/>
+          </a:xfrm>
+          <a:prstGeom prst="rect">
+            <a:avLst/>
+          </a:prstGeom>
+          <a:solidFill>
+            <a:schemeClr val="tx1"/>
+          </a:solidFill>
+          <a:ln>
+            <a:noFill/>
+          </a:ln>
+        </p:spPr>
+        <p:style>
+          <a:lnRef idx="2">
+            <a:schemeClr val="accent1">
+              <a:shade val="50000"/>
+            </a:schemeClr>
+          </a:lnRef>
+          <a:fillRef idx="1">
+            <a:schemeClr val="accent1"/>
+          </a:fillRef>
+          <a:effectRef idx="0">
+            <a:schemeClr val="accent1"/>
+          </a:effectRef>
+          <a:fontRef idx="minor">
+            <a:schemeClr val="lt1"/>
+          </a:fontRef>
+        </p:style>
+        <p:txBody>
+          <a:bodyPr rtlCol="0" anchor="ctr"/>
+          <a:lstStyle/>
+          <a:p>
+            <a:pPr algn="ctr"/>
+            <a:endParaRPr lang="ko-KR" altLang="en-US" dirty="0"/>
+          </a:p>
+        </p:txBody>
+      </p:sp>
+    </p:spTree>
+    <p:extLst>
+      <p:ext uri="{BB962C8B-B14F-4D97-AF65-F5344CB8AC3E}">
+        <p14:creationId xmlns:p14="http://schemas.microsoft.com/office/powerpoint/2010/main" val="4233208687"/>
       </p:ext>
     </p:extLst>
   </p:cSld>

--- a/images/design.pptx
+++ b/images/design.pptx
@@ -209,7 +209,7 @@
           <a:p>
             <a:fld id="{4C20BAA2-BD9B-485A-B03A-9B705EBC1C18}" type="datetimeFigureOut">
               <a:rPr lang="ko-KR" altLang="en-US" smtClean="0"/>
-              <a:t>2021-11-26</a:t>
+              <a:t>2021-12-04</a:t>
             </a:fld>
             <a:endParaRPr lang="ko-KR" altLang="en-US"/>
           </a:p>
@@ -707,7 +707,7 @@
           <a:p>
             <a:fld id="{C9C1371F-EFFD-428B-A2B4-E353846D2DA0}" type="datetimeFigureOut">
               <a:rPr lang="ko-KR" altLang="en-US" smtClean="0"/>
-              <a:t>2021-11-26</a:t>
+              <a:t>2021-12-04</a:t>
             </a:fld>
             <a:endParaRPr lang="ko-KR" altLang="en-US"/>
           </a:p>
@@ -905,7 +905,7 @@
           <a:p>
             <a:fld id="{C9C1371F-EFFD-428B-A2B4-E353846D2DA0}" type="datetimeFigureOut">
               <a:rPr lang="ko-KR" altLang="en-US" smtClean="0"/>
-              <a:t>2021-11-26</a:t>
+              <a:t>2021-12-04</a:t>
             </a:fld>
             <a:endParaRPr lang="ko-KR" altLang="en-US"/>
           </a:p>
@@ -1113,7 +1113,7 @@
           <a:p>
             <a:fld id="{C9C1371F-EFFD-428B-A2B4-E353846D2DA0}" type="datetimeFigureOut">
               <a:rPr lang="ko-KR" altLang="en-US" smtClean="0"/>
-              <a:t>2021-11-26</a:t>
+              <a:t>2021-12-04</a:t>
             </a:fld>
             <a:endParaRPr lang="ko-KR" altLang="en-US"/>
           </a:p>
@@ -1311,7 +1311,7 @@
           <a:p>
             <a:fld id="{C9C1371F-EFFD-428B-A2B4-E353846D2DA0}" type="datetimeFigureOut">
               <a:rPr lang="ko-KR" altLang="en-US" smtClean="0"/>
-              <a:t>2021-11-26</a:t>
+              <a:t>2021-12-04</a:t>
             </a:fld>
             <a:endParaRPr lang="ko-KR" altLang="en-US"/>
           </a:p>
@@ -1586,7 +1586,7 @@
           <a:p>
             <a:fld id="{C9C1371F-EFFD-428B-A2B4-E353846D2DA0}" type="datetimeFigureOut">
               <a:rPr lang="ko-KR" altLang="en-US" smtClean="0"/>
-              <a:t>2021-11-26</a:t>
+              <a:t>2021-12-04</a:t>
             </a:fld>
             <a:endParaRPr lang="ko-KR" altLang="en-US"/>
           </a:p>
@@ -1851,7 +1851,7 @@
           <a:p>
             <a:fld id="{C9C1371F-EFFD-428B-A2B4-E353846D2DA0}" type="datetimeFigureOut">
               <a:rPr lang="ko-KR" altLang="en-US" smtClean="0"/>
-              <a:t>2021-11-26</a:t>
+              <a:t>2021-12-04</a:t>
             </a:fld>
             <a:endParaRPr lang="ko-KR" altLang="en-US"/>
           </a:p>
@@ -2263,7 +2263,7 @@
           <a:p>
             <a:fld id="{C9C1371F-EFFD-428B-A2B4-E353846D2DA0}" type="datetimeFigureOut">
               <a:rPr lang="ko-KR" altLang="en-US" smtClean="0"/>
-              <a:t>2021-11-26</a:t>
+              <a:t>2021-12-04</a:t>
             </a:fld>
             <a:endParaRPr lang="ko-KR" altLang="en-US"/>
           </a:p>
@@ -2404,7 +2404,7 @@
           <a:p>
             <a:fld id="{C9C1371F-EFFD-428B-A2B4-E353846D2DA0}" type="datetimeFigureOut">
               <a:rPr lang="ko-KR" altLang="en-US" smtClean="0"/>
-              <a:t>2021-11-26</a:t>
+              <a:t>2021-12-04</a:t>
             </a:fld>
             <a:endParaRPr lang="ko-KR" altLang="en-US"/>
           </a:p>
@@ -2517,7 +2517,7 @@
           <a:p>
             <a:fld id="{C9C1371F-EFFD-428B-A2B4-E353846D2DA0}" type="datetimeFigureOut">
               <a:rPr lang="ko-KR" altLang="en-US" smtClean="0"/>
-              <a:t>2021-11-26</a:t>
+              <a:t>2021-12-04</a:t>
             </a:fld>
             <a:endParaRPr lang="ko-KR" altLang="en-US"/>
           </a:p>
@@ -2828,7 +2828,7 @@
           <a:p>
             <a:fld id="{C9C1371F-EFFD-428B-A2B4-E353846D2DA0}" type="datetimeFigureOut">
               <a:rPr lang="ko-KR" altLang="en-US" smtClean="0"/>
-              <a:t>2021-11-26</a:t>
+              <a:t>2021-12-04</a:t>
             </a:fld>
             <a:endParaRPr lang="ko-KR" altLang="en-US"/>
           </a:p>
@@ -3116,7 +3116,7 @@
           <a:p>
             <a:fld id="{C9C1371F-EFFD-428B-A2B4-E353846D2DA0}" type="datetimeFigureOut">
               <a:rPr lang="ko-KR" altLang="en-US" smtClean="0"/>
-              <a:t>2021-11-26</a:t>
+              <a:t>2021-12-04</a:t>
             </a:fld>
             <a:endParaRPr lang="ko-KR" altLang="en-US"/>
           </a:p>
@@ -3357,7 +3357,7 @@
           <a:p>
             <a:fld id="{C9C1371F-EFFD-428B-A2B4-E353846D2DA0}" type="datetimeFigureOut">
               <a:rPr lang="ko-KR" altLang="en-US" smtClean="0"/>
-              <a:t>2021-11-26</a:t>
+              <a:t>2021-12-04</a:t>
             </a:fld>
             <a:endParaRPr lang="ko-KR" altLang="en-US"/>
           </a:p>
@@ -12721,196 +12721,10 @@
       </p:grpSpPr>
       <p:sp>
         <p:nvSpPr>
-          <p:cNvPr id="4" name="타원 3">
+          <p:cNvPr id="5" name="직사각형 4">
             <a:extLst>
               <a:ext uri="{FF2B5EF4-FFF2-40B4-BE49-F238E27FC236}">
-                <a16:creationId xmlns:a16="http://schemas.microsoft.com/office/drawing/2014/main" id="{36259BB6-0F5A-44DA-B90B-94DD5DDCA238}"/>
-              </a:ext>
-            </a:extLst>
-          </p:cNvPr>
-          <p:cNvSpPr/>
-          <p:nvPr/>
-        </p:nvSpPr>
-        <p:spPr>
-          <a:xfrm>
-            <a:off x="2856000" y="189000"/>
-            <a:ext cx="6480000" cy="6480000"/>
-          </a:xfrm>
-          <a:prstGeom prst="ellipse">
-            <a:avLst/>
-          </a:prstGeom>
-          <a:solidFill>
-            <a:schemeClr val="tx1"/>
-          </a:solidFill>
-          <a:ln w="76200">
-            <a:noFill/>
-          </a:ln>
-        </p:spPr>
-        <p:style>
-          <a:lnRef idx="2">
-            <a:schemeClr val="accent1">
-              <a:shade val="50000"/>
-            </a:schemeClr>
-          </a:lnRef>
-          <a:fillRef idx="1">
-            <a:schemeClr val="accent1"/>
-          </a:fillRef>
-          <a:effectRef idx="0">
-            <a:schemeClr val="accent1"/>
-          </a:effectRef>
-          <a:fontRef idx="minor">
-            <a:schemeClr val="lt1"/>
-          </a:fontRef>
-        </p:style>
-        <p:txBody>
-          <a:bodyPr rtlCol="0" anchor="ctr"/>
-          <a:lstStyle/>
-          <a:p>
-            <a:pPr algn="ctr"/>
-            <a:endParaRPr lang="ko-KR" altLang="en-US" dirty="0"/>
-          </a:p>
-        </p:txBody>
-      </p:sp>
-      <p:sp>
-        <p:nvSpPr>
-          <p:cNvPr id="6" name="별: 꼭짓점 8개 5">
-            <a:extLst>
-              <a:ext uri="{FF2B5EF4-FFF2-40B4-BE49-F238E27FC236}">
-                <a16:creationId xmlns:a16="http://schemas.microsoft.com/office/drawing/2014/main" id="{B054DCC5-9D97-4F2F-93D0-F00B523BBB3B}"/>
-              </a:ext>
-            </a:extLst>
-          </p:cNvPr>
-          <p:cNvSpPr/>
-          <p:nvPr/>
-        </p:nvSpPr>
-        <p:spPr>
-          <a:xfrm>
-            <a:off x="3135984" y="468984"/>
-            <a:ext cx="5920033" cy="5920033"/>
-          </a:xfrm>
-          <a:prstGeom prst="star8">
-            <a:avLst/>
-          </a:prstGeom>
-          <a:solidFill>
-            <a:schemeClr val="bg1"/>
-          </a:solidFill>
-          <a:ln>
-            <a:noFill/>
-          </a:ln>
-        </p:spPr>
-        <p:style>
-          <a:lnRef idx="2">
-            <a:schemeClr val="accent1">
-              <a:shade val="50000"/>
-            </a:schemeClr>
-          </a:lnRef>
-          <a:fillRef idx="1">
-            <a:schemeClr val="accent1"/>
-          </a:fillRef>
-          <a:effectRef idx="0">
-            <a:schemeClr val="accent1"/>
-          </a:effectRef>
-          <a:fontRef idx="minor">
-            <a:schemeClr val="lt1"/>
-          </a:fontRef>
-        </p:style>
-        <p:txBody>
-          <a:bodyPr rtlCol="0" anchor="ctr"/>
-          <a:lstStyle/>
-          <a:p>
-            <a:pPr algn="ctr"/>
-            <a:endParaRPr lang="ko-KR" altLang="en-US" dirty="0"/>
-          </a:p>
-        </p:txBody>
-      </p:sp>
-      <p:sp>
-        <p:nvSpPr>
-          <p:cNvPr id="8" name="타원 7">
-            <a:extLst>
-              <a:ext uri="{FF2B5EF4-FFF2-40B4-BE49-F238E27FC236}">
-                <a16:creationId xmlns:a16="http://schemas.microsoft.com/office/drawing/2014/main" id="{FC721A4B-8A0D-46FF-A41A-8ADD4F8FA25C}"/>
-              </a:ext>
-            </a:extLst>
-          </p:cNvPr>
-          <p:cNvSpPr/>
-          <p:nvPr/>
-        </p:nvSpPr>
-        <p:spPr>
-          <a:xfrm>
-            <a:off x="4835652" y="2168652"/>
-            <a:ext cx="2520696" cy="2520696"/>
-          </a:xfrm>
-          <a:prstGeom prst="ellipse">
-            <a:avLst/>
-          </a:prstGeom>
-          <a:solidFill>
-            <a:schemeClr val="tx1"/>
-          </a:solidFill>
-          <a:ln>
-            <a:noFill/>
-          </a:ln>
-        </p:spPr>
-        <p:style>
-          <a:lnRef idx="2">
-            <a:schemeClr val="accent1">
-              <a:shade val="50000"/>
-            </a:schemeClr>
-          </a:lnRef>
-          <a:fillRef idx="1">
-            <a:schemeClr val="accent1"/>
-          </a:fillRef>
-          <a:effectRef idx="0">
-            <a:schemeClr val="accent1"/>
-          </a:effectRef>
-          <a:fontRef idx="minor">
-            <a:schemeClr val="lt1"/>
-          </a:fontRef>
-        </p:style>
-        <p:txBody>
-          <a:bodyPr rtlCol="0" anchor="ctr"/>
-          <a:lstStyle/>
-          <a:p>
-            <a:pPr algn="ctr"/>
-            <a:endParaRPr lang="ko-KR" altLang="en-US" dirty="0"/>
-          </a:p>
-        </p:txBody>
-      </p:sp>
-    </p:spTree>
-    <p:extLst>
-      <p:ext uri="{BB962C8B-B14F-4D97-AF65-F5344CB8AC3E}">
-        <p14:creationId xmlns:p14="http://schemas.microsoft.com/office/powerpoint/2010/main" val="2619039556"/>
-      </p:ext>
-    </p:extLst>
-  </p:cSld>
-  <p:clrMapOvr>
-    <a:masterClrMapping/>
-  </p:clrMapOvr>
-</p:sld>
-</file>
-
-<file path=ppt/slides/slide13.xml><?xml version="1.0" encoding="utf-8"?>
-<p:sld xmlns:a="http://schemas.openxmlformats.org/drawingml/2006/main" xmlns:r="http://schemas.openxmlformats.org/officeDocument/2006/relationships" xmlns:p="http://schemas.openxmlformats.org/presentationml/2006/main">
-  <p:cSld>
-    <p:spTree>
-      <p:nvGrpSpPr>
-        <p:cNvPr id="1" name=""/>
-        <p:cNvGrpSpPr/>
-        <p:nvPr/>
-      </p:nvGrpSpPr>
-      <p:grpSpPr>
-        <a:xfrm>
-          <a:off x="0" y="0"/>
-          <a:ext cx="0" cy="0"/>
-          <a:chOff x="0" y="0"/>
-          <a:chExt cx="0" cy="0"/>
-        </a:xfrm>
-      </p:grpSpPr>
-      <p:sp>
-        <p:nvSpPr>
-          <p:cNvPr id="2" name="직사각형 1">
-            <a:extLst>
-              <a:ext uri="{FF2B5EF4-FFF2-40B4-BE49-F238E27FC236}">
-                <a16:creationId xmlns:a16="http://schemas.microsoft.com/office/drawing/2014/main" id="{657A4E58-AD9D-4015-A188-4D7FCDD0FF5F}"/>
+                <a16:creationId xmlns:a16="http://schemas.microsoft.com/office/drawing/2014/main" id="{55F4531F-0CD0-459C-899B-A66F5EEDFC7E}"/>
               </a:ext>
             </a:extLst>
           </p:cNvPr>
@@ -13011,6 +12825,192 @@
       </p:sp>
       <p:sp>
         <p:nvSpPr>
+          <p:cNvPr id="6" name="별: 꼭짓점 8개 5">
+            <a:extLst>
+              <a:ext uri="{FF2B5EF4-FFF2-40B4-BE49-F238E27FC236}">
+                <a16:creationId xmlns:a16="http://schemas.microsoft.com/office/drawing/2014/main" id="{B054DCC5-9D97-4F2F-93D0-F00B523BBB3B}"/>
+              </a:ext>
+            </a:extLst>
+          </p:cNvPr>
+          <p:cNvSpPr/>
+          <p:nvPr/>
+        </p:nvSpPr>
+        <p:spPr>
+          <a:xfrm>
+            <a:off x="3135984" y="468984"/>
+            <a:ext cx="5920033" cy="5920033"/>
+          </a:xfrm>
+          <a:prstGeom prst="star8">
+            <a:avLst/>
+          </a:prstGeom>
+          <a:solidFill>
+            <a:schemeClr val="tx1"/>
+          </a:solidFill>
+          <a:ln>
+            <a:noFill/>
+          </a:ln>
+        </p:spPr>
+        <p:style>
+          <a:lnRef idx="2">
+            <a:schemeClr val="accent1">
+              <a:shade val="50000"/>
+            </a:schemeClr>
+          </a:lnRef>
+          <a:fillRef idx="1">
+            <a:schemeClr val="accent1"/>
+          </a:fillRef>
+          <a:effectRef idx="0">
+            <a:schemeClr val="accent1"/>
+          </a:effectRef>
+          <a:fontRef idx="minor">
+            <a:schemeClr val="lt1"/>
+          </a:fontRef>
+        </p:style>
+        <p:txBody>
+          <a:bodyPr rtlCol="0" anchor="ctr"/>
+          <a:lstStyle/>
+          <a:p>
+            <a:pPr algn="ctr"/>
+            <a:endParaRPr lang="ko-KR" altLang="en-US" dirty="0"/>
+          </a:p>
+        </p:txBody>
+      </p:sp>
+      <p:sp>
+        <p:nvSpPr>
+          <p:cNvPr id="8" name="타원 7">
+            <a:extLst>
+              <a:ext uri="{FF2B5EF4-FFF2-40B4-BE49-F238E27FC236}">
+                <a16:creationId xmlns:a16="http://schemas.microsoft.com/office/drawing/2014/main" id="{FC721A4B-8A0D-46FF-A41A-8ADD4F8FA25C}"/>
+              </a:ext>
+            </a:extLst>
+          </p:cNvPr>
+          <p:cNvSpPr/>
+          <p:nvPr/>
+        </p:nvSpPr>
+        <p:spPr>
+          <a:xfrm>
+            <a:off x="4835652" y="2168652"/>
+            <a:ext cx="2520696" cy="2520696"/>
+          </a:xfrm>
+          <a:prstGeom prst="ellipse">
+            <a:avLst/>
+          </a:prstGeom>
+          <a:solidFill>
+            <a:schemeClr val="bg1"/>
+          </a:solidFill>
+          <a:ln>
+            <a:noFill/>
+          </a:ln>
+        </p:spPr>
+        <p:style>
+          <a:lnRef idx="2">
+            <a:schemeClr val="accent1">
+              <a:shade val="50000"/>
+            </a:schemeClr>
+          </a:lnRef>
+          <a:fillRef idx="1">
+            <a:schemeClr val="accent1"/>
+          </a:fillRef>
+          <a:effectRef idx="0">
+            <a:schemeClr val="accent1"/>
+          </a:effectRef>
+          <a:fontRef idx="minor">
+            <a:schemeClr val="lt1"/>
+          </a:fontRef>
+        </p:style>
+        <p:txBody>
+          <a:bodyPr rtlCol="0" anchor="ctr"/>
+          <a:lstStyle/>
+          <a:p>
+            <a:pPr algn="ctr"/>
+            <a:endParaRPr lang="ko-KR" altLang="en-US" dirty="0"/>
+          </a:p>
+        </p:txBody>
+      </p:sp>
+    </p:spTree>
+    <p:extLst>
+      <p:ext uri="{BB962C8B-B14F-4D97-AF65-F5344CB8AC3E}">
+        <p14:creationId xmlns:p14="http://schemas.microsoft.com/office/powerpoint/2010/main" val="2619039556"/>
+      </p:ext>
+    </p:extLst>
+  </p:cSld>
+  <p:clrMapOvr>
+    <a:masterClrMapping/>
+  </p:clrMapOvr>
+</p:sld>
+</file>
+
+<file path=ppt/slides/slide13.xml><?xml version="1.0" encoding="utf-8"?>
+<p:sld xmlns:a="http://schemas.openxmlformats.org/drawingml/2006/main" xmlns:r="http://schemas.openxmlformats.org/officeDocument/2006/relationships" xmlns:p="http://schemas.openxmlformats.org/presentationml/2006/main">
+  <p:cSld>
+    <p:spTree>
+      <p:nvGrpSpPr>
+        <p:cNvPr id="1" name=""/>
+        <p:cNvGrpSpPr/>
+        <p:nvPr/>
+      </p:nvGrpSpPr>
+      <p:grpSpPr>
+        <a:xfrm>
+          <a:off x="0" y="0"/>
+          <a:ext cx="0" cy="0"/>
+          <a:chOff x="0" y="0"/>
+          <a:chExt cx="0" cy="0"/>
+        </a:xfrm>
+      </p:grpSpPr>
+      <p:sp>
+        <p:nvSpPr>
+          <p:cNvPr id="4" name="타원 3">
+            <a:extLst>
+              <a:ext uri="{FF2B5EF4-FFF2-40B4-BE49-F238E27FC236}">
+                <a16:creationId xmlns:a16="http://schemas.microsoft.com/office/drawing/2014/main" id="{36259BB6-0F5A-44DA-B90B-94DD5DDCA238}"/>
+              </a:ext>
+            </a:extLst>
+          </p:cNvPr>
+          <p:cNvSpPr/>
+          <p:nvPr/>
+        </p:nvSpPr>
+        <p:spPr>
+          <a:xfrm>
+            <a:off x="2856000" y="189000"/>
+            <a:ext cx="6480000" cy="6480000"/>
+          </a:xfrm>
+          <a:prstGeom prst="ellipse">
+            <a:avLst/>
+          </a:prstGeom>
+          <a:solidFill>
+            <a:schemeClr val="tx1"/>
+          </a:solidFill>
+          <a:ln w="76200">
+            <a:noFill/>
+          </a:ln>
+        </p:spPr>
+        <p:style>
+          <a:lnRef idx="2">
+            <a:schemeClr val="accent1">
+              <a:shade val="50000"/>
+            </a:schemeClr>
+          </a:lnRef>
+          <a:fillRef idx="1">
+            <a:schemeClr val="accent1"/>
+          </a:fillRef>
+          <a:effectRef idx="0">
+            <a:schemeClr val="accent1"/>
+          </a:effectRef>
+          <a:fontRef idx="minor">
+            <a:schemeClr val="lt1"/>
+          </a:fontRef>
+        </p:style>
+        <p:txBody>
+          <a:bodyPr rtlCol="0" anchor="ctr"/>
+          <a:lstStyle/>
+          <a:p>
+            <a:pPr algn="ctr"/>
+            <a:endParaRPr lang="ko-KR" altLang="en-US" dirty="0"/>
+          </a:p>
+        </p:txBody>
+      </p:sp>
+      <p:sp>
+        <p:nvSpPr>
           <p:cNvPr id="7" name="원형: 비어 있음 6">
             <a:extLst>
               <a:ext uri="{FF2B5EF4-FFF2-40B4-BE49-F238E27FC236}">
@@ -13030,7 +13030,7 @@
             <a:avLst/>
           </a:prstGeom>
           <a:solidFill>
-            <a:schemeClr val="tx1"/>
+            <a:schemeClr val="bg1"/>
           </a:solidFill>
           <a:ln>
             <a:noFill/>
@@ -13086,7 +13086,7 @@
             <a:avLst/>
           </a:prstGeom>
           <a:solidFill>
-            <a:schemeClr val="bg1"/>
+            <a:schemeClr val="tx1"/>
           </a:solidFill>
           <a:ln>
             <a:noFill/>
@@ -13138,7 +13138,7 @@
             <a:avLst/>
           </a:prstGeom>
           <a:solidFill>
-            <a:schemeClr val="bg1"/>
+            <a:schemeClr val="tx1"/>
           </a:solidFill>
           <a:ln>
             <a:noFill/>
@@ -13190,7 +13190,7 @@
             <a:avLst/>
           </a:prstGeom>
           <a:solidFill>
-            <a:schemeClr val="bg1"/>
+            <a:schemeClr val="tx1"/>
           </a:solidFill>
           <a:ln>
             <a:noFill/>
@@ -13242,7 +13242,7 @@
             <a:avLst/>
           </a:prstGeom>
           <a:solidFill>
-            <a:schemeClr val="tx1"/>
+            <a:schemeClr val="bg1"/>
           </a:solidFill>
           <a:ln>
             <a:noFill/>
